--- a/Mirwani_Infantas_Huansha/Fase 1/Evidencias Grupales/Presentación de la Propuesta.pptx
+++ b/Mirwani_Infantas_Huansha/Fase 1/Evidencias Grupales/Presentación de la Propuesta.pptx
@@ -14,7 +14,6 @@
     <p:sldId id="259" r:id="rId9"/>
     <p:sldId id="260" r:id="rId10"/>
     <p:sldId id="261" r:id="rId11"/>
-    <p:sldId id="262" r:id="rId12"/>
   </p:sldIdLst>
   <p:sldSz cy="10287000" cx="18288000"/>
   <p:notesSz cx="6858000" cy="9144000"/>
@@ -263,7 +262,7 @@
       </p15:sldGuideLst>
     </p:ext>
     <p:ext uri="GoogleSlidesCustomDataVersion2">
-      <go:slidesCustomData xmlns:go="http://customooxmlschemas.google.com/" r:id="rId13" roundtripDataSignature="AMtx7mi4RR+F8bhZRVyVyV0gJBLYmU+P8A=="/>
+      <go:slidesCustomData xmlns:go="http://customooxmlschemas.google.com/" r:id="rId12" roundtripDataSignature="AMtx7mhSu1jVKWoe4+mQfM1Z6/BFNZsFWw=="/>
     </p:ext>
   </p:extLst>
 </p:presentation>
@@ -1541,7 +1540,7 @@
   <p:cSld>
     <p:spTree>
       <p:nvGrpSpPr>
-        <p:cNvPr id="100" name="Shape 100"/>
+        <p:cNvPr id="106" name="Shape 106"/>
         <p:cNvGrpSpPr/>
         <p:nvPr/>
       </p:nvGrpSpPr>
@@ -1555,7 +1554,7 @@
       </p:grpSpPr>
       <p:sp>
         <p:nvSpPr>
-          <p:cNvPr id="101" name="Google Shape;101;p2:notes"/>
+          <p:cNvPr id="107" name="Google Shape;107;p3:notes"/>
           <p:cNvSpPr txBox="1"/>
           <p:nvPr>
             <p:ph idx="1" type="body"/>
@@ -1594,7 +1593,7 @@
       </p:sp>
       <p:sp>
         <p:nvSpPr>
-          <p:cNvPr id="102" name="Google Shape;102;p2:notes"/>
+          <p:cNvPr id="108" name="Google Shape;108;p3:notes"/>
           <p:cNvSpPr/>
           <p:nvPr>
             <p:ph idx="2" type="sldImg"/>
@@ -1640,7 +1639,7 @@
   <p:cSld>
     <p:spTree>
       <p:nvGrpSpPr>
-        <p:cNvPr id="119" name="Shape 119"/>
+        <p:cNvPr id="124" name="Shape 124"/>
         <p:cNvGrpSpPr/>
         <p:nvPr/>
       </p:nvGrpSpPr>
@@ -1654,106 +1653,7 @@
       </p:grpSpPr>
       <p:sp>
         <p:nvSpPr>
-          <p:cNvPr id="120" name="Google Shape;120;p3:notes"/>
-          <p:cNvSpPr txBox="1"/>
-          <p:nvPr>
-            <p:ph idx="1" type="body"/>
-          </p:nvPr>
-        </p:nvSpPr>
-        <p:spPr>
-          <a:xfrm>
-            <a:off x="914400" y="3251200"/>
-            <a:ext cx="7315200" cy="3081338"/>
-          </a:xfrm>
-          <a:prstGeom prst="rect">
-            <a:avLst/>
-          </a:prstGeom>
-        </p:spPr>
-        <p:txBody>
-          <a:bodyPr anchorCtr="0" anchor="t" bIns="45700" lIns="91425" spcFirstLastPara="1" rIns="91425" wrap="square" tIns="45700">
-            <a:noAutofit/>
-          </a:bodyPr>
-          <a:lstStyle/>
-          <a:p>
-            <a:pPr indent="0" lvl="0" marL="0" rtl="0" algn="l">
-              <a:spcBef>
-                <a:spcPts val="0"/>
-              </a:spcBef>
-              <a:spcAft>
-                <a:spcPts val="0"/>
-              </a:spcAft>
-              <a:buNone/>
-            </a:pPr>
-            <a:r>
-              <a:t/>
-            </a:r>
-            <a:endParaRPr/>
-          </a:p>
-        </p:txBody>
-      </p:sp>
-      <p:sp>
-        <p:nvSpPr>
-          <p:cNvPr id="121" name="Google Shape;121;p3:notes"/>
-          <p:cNvSpPr/>
-          <p:nvPr>
-            <p:ph idx="2" type="sldImg"/>
-          </p:nvPr>
-        </p:nvSpPr>
-        <p:spPr>
-          <a:xfrm>
-            <a:off x="2857500" y="512763"/>
-            <a:ext cx="3429000" cy="2566987"/>
-          </a:xfrm>
-          <a:custGeom>
-            <a:rect b="b" l="l" r="r" t="t"/>
-            <a:pathLst>
-              <a:path extrusionOk="0" h="120000" w="120000">
-                <a:moveTo>
-                  <a:pt x="0" y="0"/>
-                </a:moveTo>
-                <a:lnTo>
-                  <a:pt x="120000" y="0"/>
-                </a:lnTo>
-                <a:lnTo>
-                  <a:pt x="120000" y="120000"/>
-                </a:lnTo>
-                <a:lnTo>
-                  <a:pt x="0" y="120000"/>
-                </a:lnTo>
-                <a:close/>
-              </a:path>
-            </a:pathLst>
-          </a:custGeom>
-        </p:spPr>
-      </p:sp>
-    </p:spTree>
-  </p:cSld>
-  <p:clrMapOvr>
-    <a:masterClrMapping/>
-  </p:clrMapOvr>
-</p:notes>
-</file>
-
-<file path=ppt/notesSlides/notesSlide4.xml><?xml version="1.0" encoding="utf-8"?>
-<p:notes xmlns:a="http://schemas.openxmlformats.org/drawingml/2006/main" xmlns:r="http://schemas.openxmlformats.org/officeDocument/2006/relationships" xmlns:mc="http://schemas.openxmlformats.org/markup-compatibility/2006" xmlns:mv="urn:schemas-microsoft-com:mac:vml" xmlns:p="http://schemas.openxmlformats.org/presentationml/2006/main" xmlns:c="http://schemas.openxmlformats.org/drawingml/2006/chart" xmlns:dgm="http://schemas.openxmlformats.org/drawingml/2006/diagram" xmlns:o="urn:schemas-microsoft-com:office:office" xmlns:v="urn:schemas-microsoft-com:vml" xmlns:pvml="urn:schemas-microsoft-com:office:powerpoint" xmlns:com="http://schemas.openxmlformats.org/drawingml/2006/compatibility" xmlns:p14="http://schemas.microsoft.com/office/powerpoint/2010/main" xmlns:p15="http://schemas.microsoft.com/office/powerpoint/2012/main" xmlns:ahyp="http://schemas.microsoft.com/office/drawing/2018/hyperlinkcolor" showMasterPhAnim="0" showMasterSp="0">
-  <p:cSld>
-    <p:spTree>
-      <p:nvGrpSpPr>
-        <p:cNvPr id="137" name="Shape 137"/>
-        <p:cNvGrpSpPr/>
-        <p:nvPr/>
-      </p:nvGrpSpPr>
-      <p:grpSpPr>
-        <a:xfrm>
-          <a:off x="0" y="0"/>
-          <a:ext cx="0" cy="0"/>
-          <a:chOff x="0" y="0"/>
-          <a:chExt cx="0" cy="0"/>
-        </a:xfrm>
-      </p:grpSpPr>
-      <p:sp>
-        <p:nvSpPr>
-          <p:cNvPr id="138" name="Google Shape;138;p4:notes"/>
+          <p:cNvPr id="125" name="Google Shape;125;p4:notes"/>
           <p:cNvSpPr txBox="1"/>
           <p:nvPr>
             <p:ph idx="2" type="hdr"/>
@@ -1796,7 +1696,7 @@
       </p:sp>
       <p:sp>
         <p:nvSpPr>
-          <p:cNvPr id="139" name="Google Shape;139;p4:notes"/>
+          <p:cNvPr id="126" name="Google Shape;126;p4:notes"/>
           <p:cNvSpPr txBox="1"/>
           <p:nvPr>
             <p:ph idx="10" type="dt"/>
@@ -1848,7 +1748,7 @@
       </p:sp>
       <p:sp>
         <p:nvSpPr>
-          <p:cNvPr id="140" name="Google Shape;140;p4:notes"/>
+          <p:cNvPr id="127" name="Google Shape;127;p4:notes"/>
           <p:cNvSpPr/>
           <p:nvPr>
             <p:ph idx="3" type="sldImg"/>
@@ -1893,7 +1793,7 @@
       </p:sp>
       <p:sp>
         <p:nvSpPr>
-          <p:cNvPr id="141" name="Google Shape;141;p4:notes"/>
+          <p:cNvPr id="128" name="Google Shape;128;p4:notes"/>
           <p:cNvSpPr txBox="1"/>
           <p:nvPr>
             <p:ph idx="1" type="body"/>
@@ -1937,7 +1837,7 @@
       </p:sp>
       <p:sp>
         <p:nvSpPr>
-          <p:cNvPr id="142" name="Google Shape;142;p4:notes"/>
+          <p:cNvPr id="129" name="Google Shape;129;p4:notes"/>
           <p:cNvSpPr txBox="1"/>
           <p:nvPr>
             <p:ph idx="11" type="ftr"/>
@@ -1980,7 +1880,7 @@
       </p:sp>
       <p:sp>
         <p:nvSpPr>
-          <p:cNvPr id="143" name="Google Shape;143;p4:notes"/>
+          <p:cNvPr id="130" name="Google Shape;130;p4:notes"/>
           <p:cNvSpPr txBox="1"/>
           <p:nvPr>
             <p:ph idx="12" type="sldNum"/>
@@ -2038,12 +1938,12 @@
 </p:notes>
 </file>
 
-<file path=ppt/notesSlides/notesSlide5.xml><?xml version="1.0" encoding="utf-8"?>
+<file path=ppt/notesSlides/notesSlide4.xml><?xml version="1.0" encoding="utf-8"?>
 <p:notes xmlns:a="http://schemas.openxmlformats.org/drawingml/2006/main" xmlns:r="http://schemas.openxmlformats.org/officeDocument/2006/relationships" xmlns:mc="http://schemas.openxmlformats.org/markup-compatibility/2006" xmlns:mv="urn:schemas-microsoft-com:mac:vml" xmlns:p="http://schemas.openxmlformats.org/presentationml/2006/main" xmlns:c="http://schemas.openxmlformats.org/drawingml/2006/chart" xmlns:dgm="http://schemas.openxmlformats.org/drawingml/2006/diagram" xmlns:o="urn:schemas-microsoft-com:office:office" xmlns:v="urn:schemas-microsoft-com:vml" xmlns:pvml="urn:schemas-microsoft-com:office:powerpoint" xmlns:com="http://schemas.openxmlformats.org/drawingml/2006/compatibility" xmlns:p14="http://schemas.microsoft.com/office/powerpoint/2010/main" xmlns:p15="http://schemas.microsoft.com/office/powerpoint/2012/main" xmlns:ahyp="http://schemas.microsoft.com/office/drawing/2018/hyperlinkcolor" showMasterPhAnim="0" showMasterSp="0">
   <p:cSld>
     <p:spTree>
       <p:nvGrpSpPr>
-        <p:cNvPr id="158" name="Shape 158"/>
+        <p:cNvPr id="145" name="Shape 145"/>
         <p:cNvGrpSpPr/>
         <p:nvPr/>
       </p:nvGrpSpPr>
@@ -2057,7 +1957,7 @@
       </p:grpSpPr>
       <p:sp>
         <p:nvSpPr>
-          <p:cNvPr id="159" name="Google Shape;159;p5:notes"/>
+          <p:cNvPr id="146" name="Google Shape;146;p5:notes"/>
           <p:cNvSpPr txBox="1"/>
           <p:nvPr>
             <p:ph idx="2" type="hdr"/>
@@ -2100,7 +2000,7 @@
       </p:sp>
       <p:sp>
         <p:nvSpPr>
-          <p:cNvPr id="160" name="Google Shape;160;p5:notes"/>
+          <p:cNvPr id="147" name="Google Shape;147;p5:notes"/>
           <p:cNvSpPr txBox="1"/>
           <p:nvPr>
             <p:ph idx="10" type="dt"/>
@@ -2152,7 +2052,7 @@
       </p:sp>
       <p:sp>
         <p:nvSpPr>
-          <p:cNvPr id="161" name="Google Shape;161;p5:notes"/>
+          <p:cNvPr id="148" name="Google Shape;148;p5:notes"/>
           <p:cNvSpPr/>
           <p:nvPr>
             <p:ph idx="3" type="sldImg"/>
@@ -2197,7 +2097,7 @@
       </p:sp>
       <p:sp>
         <p:nvSpPr>
-          <p:cNvPr id="162" name="Google Shape;162;p5:notes"/>
+          <p:cNvPr id="149" name="Google Shape;149;p5:notes"/>
           <p:cNvSpPr txBox="1"/>
           <p:nvPr>
             <p:ph idx="1" type="body"/>
@@ -2240,7 +2140,7 @@
       </p:sp>
       <p:sp>
         <p:nvSpPr>
-          <p:cNvPr id="163" name="Google Shape;163;p5:notes"/>
+          <p:cNvPr id="150" name="Google Shape;150;p5:notes"/>
           <p:cNvSpPr txBox="1"/>
           <p:nvPr>
             <p:ph idx="11" type="ftr"/>
@@ -2283,7 +2183,7 @@
       </p:sp>
       <p:sp>
         <p:nvSpPr>
-          <p:cNvPr id="164" name="Google Shape;164;p5:notes"/>
+          <p:cNvPr id="151" name="Google Shape;151;p5:notes"/>
           <p:cNvSpPr txBox="1"/>
           <p:nvPr>
             <p:ph idx="12" type="sldNum"/>
@@ -2341,12 +2241,12 @@
 </p:notes>
 </file>
 
-<file path=ppt/notesSlides/notesSlide6.xml><?xml version="1.0" encoding="utf-8"?>
+<file path=ppt/notesSlides/notesSlide5.xml><?xml version="1.0" encoding="utf-8"?>
 <p:notes xmlns:a="http://schemas.openxmlformats.org/drawingml/2006/main" xmlns:r="http://schemas.openxmlformats.org/officeDocument/2006/relationships" xmlns:mc="http://schemas.openxmlformats.org/markup-compatibility/2006" xmlns:mv="urn:schemas-microsoft-com:mac:vml" xmlns:p="http://schemas.openxmlformats.org/presentationml/2006/main" xmlns:c="http://schemas.openxmlformats.org/drawingml/2006/chart" xmlns:dgm="http://schemas.openxmlformats.org/drawingml/2006/diagram" xmlns:o="urn:schemas-microsoft-com:office:office" xmlns:v="urn:schemas-microsoft-com:vml" xmlns:pvml="urn:schemas-microsoft-com:office:powerpoint" xmlns:com="http://schemas.openxmlformats.org/drawingml/2006/compatibility" xmlns:p14="http://schemas.microsoft.com/office/powerpoint/2010/main" xmlns:p15="http://schemas.microsoft.com/office/powerpoint/2012/main" xmlns:ahyp="http://schemas.microsoft.com/office/drawing/2018/hyperlinkcolor" showMasterPhAnim="0" showMasterSp="0">
   <p:cSld>
     <p:spTree>
       <p:nvGrpSpPr>
-        <p:cNvPr id="183" name="Shape 183"/>
+        <p:cNvPr id="170" name="Shape 170"/>
         <p:cNvGrpSpPr/>
         <p:nvPr/>
       </p:nvGrpSpPr>
@@ -2360,7 +2260,7 @@
       </p:grpSpPr>
       <p:sp>
         <p:nvSpPr>
-          <p:cNvPr id="184" name="Google Shape;184;p6:notes"/>
+          <p:cNvPr id="171" name="Google Shape;171;p6:notes"/>
           <p:cNvSpPr txBox="1"/>
           <p:nvPr>
             <p:ph idx="1" type="body"/>
@@ -2399,7 +2299,7 @@
       </p:sp>
       <p:sp>
         <p:nvSpPr>
-          <p:cNvPr id="185" name="Google Shape;185;p6:notes"/>
+          <p:cNvPr id="172" name="Google Shape;172;p6:notes"/>
           <p:cNvSpPr/>
           <p:nvPr>
             <p:ph idx="2" type="sldImg"/>
@@ -2440,12 +2340,12 @@
 </p:notes>
 </file>
 
-<file path=ppt/notesSlides/notesSlide7.xml><?xml version="1.0" encoding="utf-8"?>
+<file path=ppt/notesSlides/notesSlide6.xml><?xml version="1.0" encoding="utf-8"?>
 <p:notes xmlns:a="http://schemas.openxmlformats.org/drawingml/2006/main" xmlns:r="http://schemas.openxmlformats.org/officeDocument/2006/relationships" xmlns:mc="http://schemas.openxmlformats.org/markup-compatibility/2006" xmlns:mv="urn:schemas-microsoft-com:mac:vml" xmlns:p="http://schemas.openxmlformats.org/presentationml/2006/main" xmlns:c="http://schemas.openxmlformats.org/drawingml/2006/chart" xmlns:dgm="http://schemas.openxmlformats.org/drawingml/2006/diagram" xmlns:o="urn:schemas-microsoft-com:office:office" xmlns:v="urn:schemas-microsoft-com:vml" xmlns:pvml="urn:schemas-microsoft-com:office:powerpoint" xmlns:com="http://schemas.openxmlformats.org/drawingml/2006/compatibility" xmlns:p14="http://schemas.microsoft.com/office/powerpoint/2010/main" xmlns:p15="http://schemas.microsoft.com/office/powerpoint/2012/main" xmlns:ahyp="http://schemas.microsoft.com/office/drawing/2018/hyperlinkcolor" showMasterPhAnim="0" showMasterSp="0">
   <p:cSld>
     <p:spTree>
       <p:nvGrpSpPr>
-        <p:cNvPr id="211" name="Shape 211"/>
+        <p:cNvPr id="198" name="Shape 198"/>
         <p:cNvGrpSpPr/>
         <p:nvPr/>
       </p:nvGrpSpPr>
@@ -2459,7 +2359,7 @@
       </p:grpSpPr>
       <p:sp>
         <p:nvSpPr>
-          <p:cNvPr id="212" name="Google Shape;212;p7:notes"/>
+          <p:cNvPr id="199" name="Google Shape;199;p7:notes"/>
           <p:cNvSpPr txBox="1"/>
           <p:nvPr>
             <p:ph idx="2" type="hdr"/>
@@ -2502,7 +2402,7 @@
       </p:sp>
       <p:sp>
         <p:nvSpPr>
-          <p:cNvPr id="213" name="Google Shape;213;p7:notes"/>
+          <p:cNvPr id="200" name="Google Shape;200;p7:notes"/>
           <p:cNvSpPr txBox="1"/>
           <p:nvPr>
             <p:ph idx="10" type="dt"/>
@@ -2554,7 +2454,7 @@
       </p:sp>
       <p:sp>
         <p:nvSpPr>
-          <p:cNvPr id="214" name="Google Shape;214;p7:notes"/>
+          <p:cNvPr id="201" name="Google Shape;201;p7:notes"/>
           <p:cNvSpPr/>
           <p:nvPr>
             <p:ph idx="3" type="sldImg"/>
@@ -2599,7 +2499,7 @@
       </p:sp>
       <p:sp>
         <p:nvSpPr>
-          <p:cNvPr id="215" name="Google Shape;215;p7:notes"/>
+          <p:cNvPr id="202" name="Google Shape;202;p7:notes"/>
           <p:cNvSpPr txBox="1"/>
           <p:nvPr>
             <p:ph idx="1" type="body"/>
@@ -2642,7 +2542,7 @@
       </p:sp>
       <p:sp>
         <p:nvSpPr>
-          <p:cNvPr id="216" name="Google Shape;216;p7:notes"/>
+          <p:cNvPr id="203" name="Google Shape;203;p7:notes"/>
           <p:cNvSpPr txBox="1"/>
           <p:nvPr>
             <p:ph idx="11" type="ftr"/>
@@ -2685,7 +2585,7 @@
       </p:sp>
       <p:sp>
         <p:nvSpPr>
-          <p:cNvPr id="217" name="Google Shape;217;p7:notes"/>
+          <p:cNvPr id="204" name="Google Shape;204;p7:notes"/>
           <p:cNvSpPr txBox="1"/>
           <p:nvPr>
             <p:ph idx="12" type="sldNum"/>
@@ -12787,10 +12687,10 @@
         </p:nvGrpSpPr>
         <p:grpSpPr>
           <a:xfrm>
-            <a:off x="1495571" y="3565850"/>
-            <a:ext cx="8760379" cy="2813245"/>
-            <a:chOff x="0" y="38559"/>
-            <a:chExt cx="11680506" cy="3750993"/>
+            <a:off x="1433400" y="1468050"/>
+            <a:ext cx="8760375" cy="4911045"/>
+            <a:chOff x="-82894" y="-2758508"/>
+            <a:chExt cx="11680500" cy="6548060"/>
           </a:xfrm>
         </p:grpSpPr>
         <p:sp>
@@ -12801,8 +12701,8 @@
           </p:nvSpPr>
           <p:spPr>
             <a:xfrm>
-              <a:off x="6" y="38559"/>
-              <a:ext cx="11680500" cy="2257500"/>
+              <a:off x="-82894" y="-2758508"/>
+              <a:ext cx="11680500" cy="4853400"/>
             </a:xfrm>
             <a:prstGeom prst="rect">
               <a:avLst/>
@@ -12840,7 +12740,15 @@
                   <a:cs typeface="Arial"/>
                   <a:sym typeface="Arial"/>
                 </a:rPr>
-                <a:t>WalunGranel</a:t>
+                <a:t>Walun</a:t>
+              </a:r>
+              <a:r>
+                <a:rPr b="1" lang="en-US" sz="11000">
+                  <a:solidFill>
+                    <a:srgbClr val="302B70"/>
+                  </a:solidFill>
+                </a:rPr>
+                <a:t> Digital Hub</a:t>
               </a:r>
               <a:endParaRPr/>
             </a:p>
@@ -12908,6 +12816,306 @@
           </p:txBody>
         </p:sp>
       </p:grpSp>
+      <p:sp>
+        <p:nvSpPr>
+          <p:cNvPr id="100" name="Google Shape;100;p1"/>
+          <p:cNvSpPr txBox="1"/>
+          <p:nvPr/>
+        </p:nvSpPr>
+        <p:spPr>
+          <a:xfrm>
+            <a:off x="728875" y="8290813"/>
+            <a:ext cx="4068600" cy="338700"/>
+          </a:xfrm>
+          <a:prstGeom prst="rect">
+            <a:avLst/>
+          </a:prstGeom>
+          <a:noFill/>
+          <a:ln>
+            <a:noFill/>
+          </a:ln>
+        </p:spPr>
+        <p:txBody>
+          <a:bodyPr anchorCtr="0" anchor="t" bIns="0" lIns="0" spcFirstLastPara="1" rIns="0" wrap="square" tIns="0">
+            <a:spAutoFit/>
+          </a:bodyPr>
+          <a:lstStyle/>
+          <a:p>
+            <a:pPr indent="0" lvl="0" marL="0" marR="0" rtl="0" algn="l">
+              <a:lnSpc>
+                <a:spcPct val="120000"/>
+              </a:lnSpc>
+              <a:spcBef>
+                <a:spcPts val="0"/>
+              </a:spcBef>
+              <a:spcAft>
+                <a:spcPts val="0"/>
+              </a:spcAft>
+              <a:buNone/>
+            </a:pPr>
+            <a:r>
+              <a:rPr b="1" i="0" lang="en-US" sz="2200" u="none" cap="none" strike="noStrike">
+                <a:solidFill>
+                  <a:srgbClr val="302B70"/>
+                </a:solidFill>
+                <a:latin typeface="Arial"/>
+                <a:ea typeface="Arial"/>
+                <a:cs typeface="Arial"/>
+                <a:sym typeface="Arial"/>
+              </a:rPr>
+              <a:t>Tushar Mirwani</a:t>
+            </a:r>
+            <a:endParaRPr sz="100"/>
+          </a:p>
+        </p:txBody>
+      </p:sp>
+      <p:sp>
+        <p:nvSpPr>
+          <p:cNvPr id="101" name="Google Shape;101;p1"/>
+          <p:cNvSpPr txBox="1"/>
+          <p:nvPr/>
+        </p:nvSpPr>
+        <p:spPr>
+          <a:xfrm>
+            <a:off x="753766" y="7572963"/>
+            <a:ext cx="4214100" cy="338700"/>
+          </a:xfrm>
+          <a:prstGeom prst="rect">
+            <a:avLst/>
+          </a:prstGeom>
+          <a:noFill/>
+          <a:ln>
+            <a:noFill/>
+          </a:ln>
+        </p:spPr>
+        <p:txBody>
+          <a:bodyPr anchorCtr="0" anchor="t" bIns="0" lIns="0" spcFirstLastPara="1" rIns="0" wrap="square" tIns="0">
+            <a:spAutoFit/>
+          </a:bodyPr>
+          <a:lstStyle/>
+          <a:p>
+            <a:pPr indent="0" lvl="0" marL="0" marR="0" rtl="0" algn="l">
+              <a:lnSpc>
+                <a:spcPct val="120000"/>
+              </a:lnSpc>
+              <a:spcBef>
+                <a:spcPts val="0"/>
+              </a:spcBef>
+              <a:spcAft>
+                <a:spcPts val="0"/>
+              </a:spcAft>
+              <a:buNone/>
+            </a:pPr>
+            <a:r>
+              <a:rPr b="1" i="0" lang="en-US" sz="2200" u="none" cap="none" strike="noStrike">
+                <a:solidFill>
+                  <a:srgbClr val="302B70"/>
+                </a:solidFill>
+                <a:latin typeface="Arial"/>
+                <a:ea typeface="Arial"/>
+                <a:cs typeface="Arial"/>
+                <a:sym typeface="Arial"/>
+              </a:rPr>
+              <a:t>Jean Pier Huansha</a:t>
+            </a:r>
+            <a:endParaRPr sz="100"/>
+          </a:p>
+        </p:txBody>
+      </p:sp>
+      <p:sp>
+        <p:nvSpPr>
+          <p:cNvPr id="102" name="Google Shape;102;p1"/>
+          <p:cNvSpPr txBox="1"/>
+          <p:nvPr/>
+        </p:nvSpPr>
+        <p:spPr>
+          <a:xfrm>
+            <a:off x="753766" y="6855125"/>
+            <a:ext cx="4214100" cy="338700"/>
+          </a:xfrm>
+          <a:prstGeom prst="rect">
+            <a:avLst/>
+          </a:prstGeom>
+          <a:noFill/>
+          <a:ln>
+            <a:noFill/>
+          </a:ln>
+        </p:spPr>
+        <p:txBody>
+          <a:bodyPr anchorCtr="0" anchor="t" bIns="0" lIns="0" spcFirstLastPara="1" rIns="0" wrap="square" tIns="0">
+            <a:spAutoFit/>
+          </a:bodyPr>
+          <a:lstStyle/>
+          <a:p>
+            <a:pPr indent="0" lvl="0" marL="0" marR="0" rtl="0" algn="l">
+              <a:lnSpc>
+                <a:spcPct val="120000"/>
+              </a:lnSpc>
+              <a:spcBef>
+                <a:spcPts val="0"/>
+              </a:spcBef>
+              <a:spcAft>
+                <a:spcPts val="0"/>
+              </a:spcAft>
+              <a:buNone/>
+            </a:pPr>
+            <a:r>
+              <a:rPr b="1" i="0" lang="en-US" sz="2200" u="none" cap="none" strike="noStrike">
+                <a:solidFill>
+                  <a:srgbClr val="302B70"/>
+                </a:solidFill>
+                <a:latin typeface="Arial"/>
+                <a:ea typeface="Arial"/>
+                <a:cs typeface="Arial"/>
+                <a:sym typeface="Arial"/>
+              </a:rPr>
+              <a:t>Diego Infantas</a:t>
+            </a:r>
+            <a:endParaRPr sz="2200"/>
+          </a:p>
+        </p:txBody>
+      </p:sp>
+      <p:sp>
+        <p:nvSpPr>
+          <p:cNvPr id="103" name="Google Shape;103;p1"/>
+          <p:cNvSpPr/>
+          <p:nvPr/>
+        </p:nvSpPr>
+        <p:spPr>
+          <a:xfrm>
+            <a:off x="25" y="8128361"/>
+            <a:ext cx="673770" cy="663638"/>
+          </a:xfrm>
+          <a:custGeom>
+            <a:rect b="b" l="l" r="r" t="t"/>
+            <a:pathLst>
+              <a:path extrusionOk="0" h="2026375" w="2026375">
+                <a:moveTo>
+                  <a:pt x="0" y="0"/>
+                </a:moveTo>
+                <a:lnTo>
+                  <a:pt x="2026374" y="0"/>
+                </a:lnTo>
+                <a:lnTo>
+                  <a:pt x="2026374" y="2026374"/>
+                </a:lnTo>
+                <a:lnTo>
+                  <a:pt x="0" y="2026374"/>
+                </a:lnTo>
+                <a:lnTo>
+                  <a:pt x="0" y="0"/>
+                </a:lnTo>
+                <a:close/>
+              </a:path>
+            </a:pathLst>
+          </a:custGeom>
+          <a:blipFill rotWithShape="1">
+            <a:blip r:embed="rId9">
+              <a:alphaModFix/>
+            </a:blip>
+            <a:stretch>
+              <a:fillRect b="0" l="0" r="0" t="0"/>
+            </a:stretch>
+          </a:blipFill>
+          <a:ln>
+            <a:noFill/>
+          </a:ln>
+        </p:spPr>
+      </p:sp>
+      <p:sp>
+        <p:nvSpPr>
+          <p:cNvPr id="104" name="Google Shape;104;p1"/>
+          <p:cNvSpPr/>
+          <p:nvPr/>
+        </p:nvSpPr>
+        <p:spPr>
+          <a:xfrm>
+            <a:off x="-55062" y="7339350"/>
+            <a:ext cx="783926" cy="806009"/>
+          </a:xfrm>
+          <a:custGeom>
+            <a:rect b="b" l="l" r="r" t="t"/>
+            <a:pathLst>
+              <a:path extrusionOk="0" h="2208243" w="2208243">
+                <a:moveTo>
+                  <a:pt x="0" y="0"/>
+                </a:moveTo>
+                <a:lnTo>
+                  <a:pt x="2208243" y="0"/>
+                </a:lnTo>
+                <a:lnTo>
+                  <a:pt x="2208243" y="2208243"/>
+                </a:lnTo>
+                <a:lnTo>
+                  <a:pt x="0" y="2208243"/>
+                </a:lnTo>
+                <a:lnTo>
+                  <a:pt x="0" y="0"/>
+                </a:lnTo>
+                <a:close/>
+              </a:path>
+            </a:pathLst>
+          </a:custGeom>
+          <a:blipFill rotWithShape="1">
+            <a:blip r:embed="rId10">
+              <a:alphaModFix/>
+            </a:blip>
+            <a:stretch>
+              <a:fillRect b="0" l="0" r="0" t="0"/>
+            </a:stretch>
+          </a:blipFill>
+          <a:ln>
+            <a:noFill/>
+          </a:ln>
+        </p:spPr>
+      </p:sp>
+      <p:sp>
+        <p:nvSpPr>
+          <p:cNvPr id="105" name="Google Shape;105;p1"/>
+          <p:cNvSpPr/>
+          <p:nvPr/>
+        </p:nvSpPr>
+        <p:spPr>
+          <a:xfrm>
+            <a:off x="0" y="6679675"/>
+            <a:ext cx="673797" cy="691413"/>
+          </a:xfrm>
+          <a:custGeom>
+            <a:rect b="b" l="l" r="r" t="t"/>
+            <a:pathLst>
+              <a:path extrusionOk="0" h="1761561" w="1761561">
+                <a:moveTo>
+                  <a:pt x="0" y="0"/>
+                </a:moveTo>
+                <a:lnTo>
+                  <a:pt x="1761561" y="0"/>
+                </a:lnTo>
+                <a:lnTo>
+                  <a:pt x="1761561" y="1761561"/>
+                </a:lnTo>
+                <a:lnTo>
+                  <a:pt x="0" y="1761561"/>
+                </a:lnTo>
+                <a:lnTo>
+                  <a:pt x="0" y="0"/>
+                </a:lnTo>
+                <a:close/>
+              </a:path>
+            </a:pathLst>
+          </a:custGeom>
+          <a:blipFill rotWithShape="1">
+            <a:blip r:embed="rId11">
+              <a:alphaModFix/>
+            </a:blip>
+            <a:stretch>
+              <a:fillRect b="0" l="0" r="0" t="0"/>
+            </a:stretch>
+          </a:blipFill>
+          <a:ln>
+            <a:noFill/>
+          </a:ln>
+        </p:spPr>
+      </p:sp>
     </p:spTree>
   </p:cSld>
   <p:clrMapOvr>
@@ -12922,13 +13130,13 @@
     <p:bg>
       <p:bgPr>
         <a:solidFill>
-          <a:srgbClr val="302B70"/>
+          <a:srgbClr val="F0F2F6"/>
         </a:solidFill>
       </p:bgPr>
     </p:bg>
     <p:spTree>
       <p:nvGrpSpPr>
-        <p:cNvPr id="103" name="Shape 103"/>
+        <p:cNvPr id="109" name="Shape 109"/>
         <p:cNvGrpSpPr/>
         <p:nvPr/>
       </p:nvGrpSpPr>
@@ -12940,15 +13148,105 @@
           <a:chExt cx="0" cy="0"/>
         </a:xfrm>
       </p:grpSpPr>
+      <p:sp>
+        <p:nvSpPr>
+          <p:cNvPr id="110" name="Google Shape;110;p3"/>
+          <p:cNvSpPr/>
+          <p:nvPr/>
+        </p:nvSpPr>
+        <p:spPr>
+          <a:xfrm>
+            <a:off x="0" y="851277"/>
+            <a:ext cx="18288000" cy="8775001"/>
+          </a:xfrm>
+          <a:prstGeom prst="rect">
+            <a:avLst/>
+          </a:prstGeom>
+          <a:solidFill>
+            <a:srgbClr val="302B70"/>
+          </a:solidFill>
+          <a:ln>
+            <a:noFill/>
+          </a:ln>
+        </p:spPr>
+        <p:txBody>
+          <a:bodyPr anchorCtr="0" anchor="ctr" bIns="91425" lIns="91425" spcFirstLastPara="1" rIns="91425" wrap="square" tIns="91425">
+            <a:noAutofit/>
+          </a:bodyPr>
+          <a:lstStyle/>
+          <a:p>
+            <a:pPr indent="0" lvl="0" marL="0" rtl="0" algn="l">
+              <a:spcBef>
+                <a:spcPts val="0"/>
+              </a:spcBef>
+              <a:spcAft>
+                <a:spcPts val="0"/>
+              </a:spcAft>
+              <a:buNone/>
+            </a:pPr>
+            <a:r>
+              <a:t/>
+            </a:r>
+            <a:endParaRPr/>
+          </a:p>
+        </p:txBody>
+      </p:sp>
+      <p:sp>
+        <p:nvSpPr>
+          <p:cNvPr id="111" name="Google Shape;111;p3"/>
+          <p:cNvSpPr/>
+          <p:nvPr/>
+        </p:nvSpPr>
+        <p:spPr>
+          <a:xfrm>
+            <a:off x="66352" y="5899499"/>
+            <a:ext cx="1924696" cy="3631501"/>
+          </a:xfrm>
+          <a:custGeom>
+            <a:rect b="b" l="l" r="r" t="t"/>
+            <a:pathLst>
+              <a:path extrusionOk="0" h="3631501" w="1924696">
+                <a:moveTo>
+                  <a:pt x="0" y="0"/>
+                </a:moveTo>
+                <a:lnTo>
+                  <a:pt x="1924696" y="0"/>
+                </a:lnTo>
+                <a:lnTo>
+                  <a:pt x="1924696" y="3631502"/>
+                </a:lnTo>
+                <a:lnTo>
+                  <a:pt x="0" y="3631502"/>
+                </a:lnTo>
+                <a:lnTo>
+                  <a:pt x="0" y="0"/>
+                </a:lnTo>
+                <a:close/>
+              </a:path>
+            </a:pathLst>
+          </a:custGeom>
+          <a:blipFill rotWithShape="1">
+            <a:blip r:embed="rId3">
+              <a:alphaModFix/>
+            </a:blip>
+            <a:stretch>
+              <a:fillRect b="0" l="0" r="0" t="0"/>
+            </a:stretch>
+          </a:blipFill>
+          <a:ln>
+            <a:noFill/>
+          </a:ln>
+        </p:spPr>
+      </p:sp>
       <p:grpSp>
         <p:nvGrpSpPr>
-          <p:cNvPr id="104" name="Google Shape;104;p2"/>
+          <p:cNvPr id="112" name="Google Shape;112;p3"/>
           <p:cNvGrpSpPr/>
           <p:nvPr/>
         </p:nvGrpSpPr>
         <p:grpSpPr>
           <a:xfrm>
-            <a:off x="1028700" y="1028700"/>
+            <a:off x="8622802" y="9435723"/>
             <a:ext cx="1042395" cy="190555"/>
             <a:chOff x="0" y="0"/>
             <a:chExt cx="1389861" cy="254073"/>
@@ -12956,7 +13254,7 @@
         </p:grpSpPr>
         <p:sp>
           <p:nvSpPr>
-            <p:cNvPr id="105" name="Google Shape;105;p2"/>
+            <p:cNvPr id="113" name="Google Shape;113;p3"/>
             <p:cNvSpPr/>
             <p:nvPr/>
           </p:nvSpPr>
@@ -12989,7 +13287,7 @@
               </a:pathLst>
             </a:custGeom>
             <a:blipFill rotWithShape="1">
-              <a:blip r:embed="rId3">
+              <a:blip r:embed="rId4">
                 <a:alphaModFix/>
               </a:blip>
               <a:stretch>
@@ -13003,7 +13301,7 @@
         </p:sp>
         <p:sp>
           <p:nvSpPr>
-            <p:cNvPr id="106" name="Google Shape;106;p2"/>
+            <p:cNvPr id="114" name="Google Shape;114;p3"/>
             <p:cNvSpPr/>
             <p:nvPr/>
           </p:nvSpPr>
@@ -13036,7 +13334,7 @@
               </a:pathLst>
             </a:custGeom>
             <a:blipFill rotWithShape="1">
-              <a:blip r:embed="rId4">
+              <a:blip r:embed="rId5">
                 <a:alphaModFix/>
               </a:blip>
               <a:stretch>
@@ -13050,7 +13348,7 @@
         </p:sp>
         <p:sp>
           <p:nvSpPr>
-            <p:cNvPr id="107" name="Google Shape;107;p2"/>
+            <p:cNvPr id="115" name="Google Shape;115;p3"/>
             <p:cNvSpPr/>
             <p:nvPr/>
           </p:nvSpPr>
@@ -13098,818 +13396,7 @@
       </p:grpSp>
       <p:sp>
         <p:nvSpPr>
-          <p:cNvPr id="108" name="Google Shape;108;p2"/>
-          <p:cNvSpPr/>
-          <p:nvPr/>
-        </p:nvSpPr>
-        <p:spPr>
-          <a:xfrm>
-            <a:off x="9059898" y="0"/>
-            <a:ext cx="9228102" cy="3429000"/>
-          </a:xfrm>
-          <a:prstGeom prst="rect">
-            <a:avLst/>
-          </a:prstGeom>
-          <a:solidFill>
-            <a:srgbClr val="F0F2F6"/>
-          </a:solidFill>
-          <a:ln>
-            <a:noFill/>
-          </a:ln>
-        </p:spPr>
-        <p:txBody>
-          <a:bodyPr anchorCtr="0" anchor="ctr" bIns="91425" lIns="91425" spcFirstLastPara="1" rIns="91425" wrap="square" tIns="91425">
-            <a:noAutofit/>
-          </a:bodyPr>
-          <a:lstStyle/>
-          <a:p>
-            <a:pPr indent="0" lvl="0" marL="0" rtl="0" algn="l">
-              <a:spcBef>
-                <a:spcPts val="0"/>
-              </a:spcBef>
-              <a:spcAft>
-                <a:spcPts val="0"/>
-              </a:spcAft>
-              <a:buNone/>
-            </a:pPr>
-            <a:r>
-              <a:t/>
-            </a:r>
-            <a:endParaRPr/>
-          </a:p>
-        </p:txBody>
-      </p:sp>
-      <p:sp>
-        <p:nvSpPr>
-          <p:cNvPr id="109" name="Google Shape;109;p2"/>
-          <p:cNvSpPr/>
-          <p:nvPr/>
-        </p:nvSpPr>
-        <p:spPr>
-          <a:xfrm>
-            <a:off x="9059898" y="6858000"/>
-            <a:ext cx="9228102" cy="3429000"/>
-          </a:xfrm>
-          <a:prstGeom prst="rect">
-            <a:avLst/>
-          </a:prstGeom>
-          <a:solidFill>
-            <a:srgbClr val="F0F2F6">
-              <a:alpha val="49803"/>
-            </a:srgbClr>
-          </a:solidFill>
-          <a:ln>
-            <a:noFill/>
-          </a:ln>
-        </p:spPr>
-        <p:txBody>
-          <a:bodyPr anchorCtr="0" anchor="ctr" bIns="91425" lIns="91425" spcFirstLastPara="1" rIns="91425" wrap="square" tIns="91425">
-            <a:noAutofit/>
-          </a:bodyPr>
-          <a:lstStyle/>
-          <a:p>
-            <a:pPr indent="0" lvl="0" marL="0" rtl="0" algn="l">
-              <a:spcBef>
-                <a:spcPts val="0"/>
-              </a:spcBef>
-              <a:spcAft>
-                <a:spcPts val="0"/>
-              </a:spcAft>
-              <a:buNone/>
-            </a:pPr>
-            <a:r>
-              <a:t/>
-            </a:r>
-            <a:endParaRPr/>
-          </a:p>
-        </p:txBody>
-      </p:sp>
-      <p:sp>
-        <p:nvSpPr>
-          <p:cNvPr id="110" name="Google Shape;110;p2"/>
-          <p:cNvSpPr/>
-          <p:nvPr/>
-        </p:nvSpPr>
-        <p:spPr>
-          <a:xfrm>
-            <a:off x="9059898" y="3429000"/>
-            <a:ext cx="9228102" cy="3429000"/>
-          </a:xfrm>
-          <a:prstGeom prst="rect">
-            <a:avLst/>
-          </a:prstGeom>
-          <a:solidFill>
-            <a:srgbClr val="F0F2F6">
-              <a:alpha val="80000"/>
-            </a:srgbClr>
-          </a:solidFill>
-          <a:ln>
-            <a:noFill/>
-          </a:ln>
-        </p:spPr>
-        <p:txBody>
-          <a:bodyPr anchorCtr="0" anchor="ctr" bIns="91425" lIns="91425" spcFirstLastPara="1" rIns="91425" wrap="square" tIns="91425">
-            <a:noAutofit/>
-          </a:bodyPr>
-          <a:lstStyle/>
-          <a:p>
-            <a:pPr indent="0" lvl="0" marL="0" rtl="0" algn="l">
-              <a:spcBef>
-                <a:spcPts val="0"/>
-              </a:spcBef>
-              <a:spcAft>
-                <a:spcPts val="0"/>
-              </a:spcAft>
-              <a:buNone/>
-            </a:pPr>
-            <a:r>
-              <a:t/>
-            </a:r>
-            <a:endParaRPr/>
-          </a:p>
-        </p:txBody>
-      </p:sp>
-      <p:sp>
-        <p:nvSpPr>
-          <p:cNvPr id="111" name="Google Shape;111;p2"/>
-          <p:cNvSpPr/>
-          <p:nvPr/>
-        </p:nvSpPr>
-        <p:spPr>
-          <a:xfrm>
-            <a:off x="780009" y="4706478"/>
-            <a:ext cx="3459924" cy="5580522"/>
-          </a:xfrm>
-          <a:custGeom>
-            <a:rect b="b" l="l" r="r" t="t"/>
-            <a:pathLst>
-              <a:path extrusionOk="0" h="5580522" w="3459924">
-                <a:moveTo>
-                  <a:pt x="0" y="0"/>
-                </a:moveTo>
-                <a:lnTo>
-                  <a:pt x="3459924" y="0"/>
-                </a:lnTo>
-                <a:lnTo>
-                  <a:pt x="3459924" y="5580522"/>
-                </a:lnTo>
-                <a:lnTo>
-                  <a:pt x="0" y="5580522"/>
-                </a:lnTo>
-                <a:lnTo>
-                  <a:pt x="0" y="0"/>
-                </a:lnTo>
-                <a:close/>
-              </a:path>
-            </a:pathLst>
-          </a:custGeom>
-          <a:blipFill rotWithShape="1">
-            <a:blip r:embed="rId5">
-              <a:alphaModFix/>
-            </a:blip>
-            <a:stretch>
-              <a:fillRect b="0" l="0" r="0" t="0"/>
-            </a:stretch>
-          </a:blipFill>
-          <a:ln>
-            <a:noFill/>
-          </a:ln>
-        </p:spPr>
-      </p:sp>
-      <p:sp>
-        <p:nvSpPr>
-          <p:cNvPr id="112" name="Google Shape;112;p2"/>
-          <p:cNvSpPr/>
-          <p:nvPr/>
-        </p:nvSpPr>
-        <p:spPr>
-          <a:xfrm>
-            <a:off x="10015130" y="701313"/>
-            <a:ext cx="2026375" cy="2026375"/>
-          </a:xfrm>
-          <a:custGeom>
-            <a:rect b="b" l="l" r="r" t="t"/>
-            <a:pathLst>
-              <a:path extrusionOk="0" h="2026375" w="2026375">
-                <a:moveTo>
-                  <a:pt x="0" y="0"/>
-                </a:moveTo>
-                <a:lnTo>
-                  <a:pt x="2026374" y="0"/>
-                </a:lnTo>
-                <a:lnTo>
-                  <a:pt x="2026374" y="2026374"/>
-                </a:lnTo>
-                <a:lnTo>
-                  <a:pt x="0" y="2026374"/>
-                </a:lnTo>
-                <a:lnTo>
-                  <a:pt x="0" y="0"/>
-                </a:lnTo>
-                <a:close/>
-              </a:path>
-            </a:pathLst>
-          </a:custGeom>
-          <a:blipFill rotWithShape="1">
-            <a:blip r:embed="rId6">
-              <a:alphaModFix/>
-            </a:blip>
-            <a:stretch>
-              <a:fillRect b="0" l="0" r="0" t="0"/>
-            </a:stretch>
-          </a:blipFill>
-          <a:ln>
-            <a:noFill/>
-          </a:ln>
-        </p:spPr>
-      </p:sp>
-      <p:sp>
-        <p:nvSpPr>
-          <p:cNvPr id="113" name="Google Shape;113;p2"/>
-          <p:cNvSpPr/>
-          <p:nvPr/>
-        </p:nvSpPr>
-        <p:spPr>
-          <a:xfrm>
-            <a:off x="9833261" y="4028396"/>
-            <a:ext cx="2208243" cy="2208243"/>
-          </a:xfrm>
-          <a:custGeom>
-            <a:rect b="b" l="l" r="r" t="t"/>
-            <a:pathLst>
-              <a:path extrusionOk="0" h="2208243" w="2208243">
-                <a:moveTo>
-                  <a:pt x="0" y="0"/>
-                </a:moveTo>
-                <a:lnTo>
-                  <a:pt x="2208243" y="0"/>
-                </a:lnTo>
-                <a:lnTo>
-                  <a:pt x="2208243" y="2208243"/>
-                </a:lnTo>
-                <a:lnTo>
-                  <a:pt x="0" y="2208243"/>
-                </a:lnTo>
-                <a:lnTo>
-                  <a:pt x="0" y="0"/>
-                </a:lnTo>
-                <a:close/>
-              </a:path>
-            </a:pathLst>
-          </a:custGeom>
-          <a:blipFill rotWithShape="1">
-            <a:blip r:embed="rId7">
-              <a:alphaModFix/>
-            </a:blip>
-            <a:stretch>
-              <a:fillRect b="0" l="0" r="0" t="0"/>
-            </a:stretch>
-          </a:blipFill>
-          <a:ln>
-            <a:noFill/>
-          </a:ln>
-        </p:spPr>
-      </p:sp>
-      <p:sp>
-        <p:nvSpPr>
-          <p:cNvPr id="114" name="Google Shape;114;p2"/>
-          <p:cNvSpPr/>
-          <p:nvPr/>
-        </p:nvSpPr>
-        <p:spPr>
-          <a:xfrm>
-            <a:off x="10279943" y="7353421"/>
-            <a:ext cx="1761561" cy="1761561"/>
-          </a:xfrm>
-          <a:custGeom>
-            <a:rect b="b" l="l" r="r" t="t"/>
-            <a:pathLst>
-              <a:path extrusionOk="0" h="1761561" w="1761561">
-                <a:moveTo>
-                  <a:pt x="0" y="0"/>
-                </a:moveTo>
-                <a:lnTo>
-                  <a:pt x="1761561" y="0"/>
-                </a:lnTo>
-                <a:lnTo>
-                  <a:pt x="1761561" y="1761561"/>
-                </a:lnTo>
-                <a:lnTo>
-                  <a:pt x="0" y="1761561"/>
-                </a:lnTo>
-                <a:lnTo>
-                  <a:pt x="0" y="0"/>
-                </a:lnTo>
-                <a:close/>
-              </a:path>
-            </a:pathLst>
-          </a:custGeom>
-          <a:blipFill rotWithShape="1">
-            <a:blip r:embed="rId8">
-              <a:alphaModFix/>
-            </a:blip>
-            <a:stretch>
-              <a:fillRect b="0" l="0" r="0" t="0"/>
-            </a:stretch>
-          </a:blipFill>
-          <a:ln>
-            <a:noFill/>
-          </a:ln>
-        </p:spPr>
-      </p:sp>
-      <p:sp>
-        <p:nvSpPr>
-          <p:cNvPr id="115" name="Google Shape;115;p2"/>
-          <p:cNvSpPr txBox="1"/>
-          <p:nvPr/>
-        </p:nvSpPr>
-        <p:spPr>
-          <a:xfrm>
-            <a:off x="1028700" y="2201477"/>
-            <a:ext cx="6422466" cy="1209226"/>
-          </a:xfrm>
-          <a:prstGeom prst="rect">
-            <a:avLst/>
-          </a:prstGeom>
-          <a:noFill/>
-          <a:ln>
-            <a:noFill/>
-          </a:ln>
-        </p:spPr>
-        <p:txBody>
-          <a:bodyPr anchorCtr="0" anchor="t" bIns="0" lIns="0" spcFirstLastPara="1" rIns="0" wrap="square" tIns="0">
-            <a:spAutoFit/>
-          </a:bodyPr>
-          <a:lstStyle/>
-          <a:p>
-            <a:pPr indent="0" lvl="0" marL="0" marR="0" rtl="0" algn="l">
-              <a:lnSpc>
-                <a:spcPct val="120002"/>
-              </a:lnSpc>
-              <a:spcBef>
-                <a:spcPts val="0"/>
-              </a:spcBef>
-              <a:spcAft>
-                <a:spcPts val="0"/>
-              </a:spcAft>
-              <a:buNone/>
-            </a:pPr>
-            <a:r>
-              <a:rPr b="1" i="0" lang="en-US" sz="7999" u="none" cap="none" strike="noStrike">
-                <a:solidFill>
-                  <a:srgbClr val="F0F2F6"/>
-                </a:solidFill>
-                <a:latin typeface="Arial"/>
-                <a:ea typeface="Arial"/>
-                <a:cs typeface="Arial"/>
-                <a:sym typeface="Arial"/>
-              </a:rPr>
-              <a:t>El Equipo</a:t>
-            </a:r>
-            <a:endParaRPr/>
-          </a:p>
-        </p:txBody>
-      </p:sp>
-      <p:sp>
-        <p:nvSpPr>
-          <p:cNvPr id="116" name="Google Shape;116;p2"/>
-          <p:cNvSpPr txBox="1"/>
-          <p:nvPr/>
-        </p:nvSpPr>
-        <p:spPr>
-          <a:xfrm>
-            <a:off x="12449741" y="1562515"/>
-            <a:ext cx="4213977" cy="539150"/>
-          </a:xfrm>
-          <a:prstGeom prst="rect">
-            <a:avLst/>
-          </a:prstGeom>
-          <a:noFill/>
-          <a:ln>
-            <a:noFill/>
-          </a:ln>
-        </p:spPr>
-        <p:txBody>
-          <a:bodyPr anchorCtr="0" anchor="t" bIns="0" lIns="0" spcFirstLastPara="1" rIns="0" wrap="square" tIns="0">
-            <a:spAutoFit/>
-          </a:bodyPr>
-          <a:lstStyle/>
-          <a:p>
-            <a:pPr indent="0" lvl="0" marL="0" marR="0" rtl="0" algn="l">
-              <a:lnSpc>
-                <a:spcPct val="120000"/>
-              </a:lnSpc>
-              <a:spcBef>
-                <a:spcPts val="0"/>
-              </a:spcBef>
-              <a:spcAft>
-                <a:spcPts val="0"/>
-              </a:spcAft>
-              <a:buNone/>
-            </a:pPr>
-            <a:r>
-              <a:rPr b="1" i="0" lang="en-US" sz="3500" u="none" cap="none" strike="noStrike">
-                <a:solidFill>
-                  <a:srgbClr val="302B70"/>
-                </a:solidFill>
-                <a:latin typeface="Arial"/>
-                <a:ea typeface="Arial"/>
-                <a:cs typeface="Arial"/>
-                <a:sym typeface="Arial"/>
-              </a:rPr>
-              <a:t>Tushar Mirwani</a:t>
-            </a:r>
-            <a:endParaRPr/>
-          </a:p>
-        </p:txBody>
-      </p:sp>
-      <p:sp>
-        <p:nvSpPr>
-          <p:cNvPr id="117" name="Google Shape;117;p2"/>
-          <p:cNvSpPr txBox="1"/>
-          <p:nvPr/>
-        </p:nvSpPr>
-        <p:spPr>
-          <a:xfrm>
-            <a:off x="12449741" y="4869163"/>
-            <a:ext cx="4213977" cy="539150"/>
-          </a:xfrm>
-          <a:prstGeom prst="rect">
-            <a:avLst/>
-          </a:prstGeom>
-          <a:noFill/>
-          <a:ln>
-            <a:noFill/>
-          </a:ln>
-        </p:spPr>
-        <p:txBody>
-          <a:bodyPr anchorCtr="0" anchor="t" bIns="0" lIns="0" spcFirstLastPara="1" rIns="0" wrap="square" tIns="0">
-            <a:spAutoFit/>
-          </a:bodyPr>
-          <a:lstStyle/>
-          <a:p>
-            <a:pPr indent="0" lvl="0" marL="0" marR="0" rtl="0" algn="l">
-              <a:lnSpc>
-                <a:spcPct val="120000"/>
-              </a:lnSpc>
-              <a:spcBef>
-                <a:spcPts val="0"/>
-              </a:spcBef>
-              <a:spcAft>
-                <a:spcPts val="0"/>
-              </a:spcAft>
-              <a:buNone/>
-            </a:pPr>
-            <a:r>
-              <a:rPr b="1" i="0" lang="en-US" sz="3500" u="none" cap="none" strike="noStrike">
-                <a:solidFill>
-                  <a:srgbClr val="302B70"/>
-                </a:solidFill>
-                <a:latin typeface="Arial"/>
-                <a:ea typeface="Arial"/>
-                <a:cs typeface="Arial"/>
-                <a:sym typeface="Arial"/>
-              </a:rPr>
-              <a:t>Jean Pier Huansha</a:t>
-            </a:r>
-            <a:endParaRPr/>
-          </a:p>
-        </p:txBody>
-      </p:sp>
-      <p:sp>
-        <p:nvSpPr>
-          <p:cNvPr id="118" name="Google Shape;118;p2"/>
-          <p:cNvSpPr txBox="1"/>
-          <p:nvPr/>
-        </p:nvSpPr>
-        <p:spPr>
-          <a:xfrm>
-            <a:off x="12449741" y="8172450"/>
-            <a:ext cx="4213977" cy="539150"/>
-          </a:xfrm>
-          <a:prstGeom prst="rect">
-            <a:avLst/>
-          </a:prstGeom>
-          <a:noFill/>
-          <a:ln>
-            <a:noFill/>
-          </a:ln>
-        </p:spPr>
-        <p:txBody>
-          <a:bodyPr anchorCtr="0" anchor="t" bIns="0" lIns="0" spcFirstLastPara="1" rIns="0" wrap="square" tIns="0">
-            <a:spAutoFit/>
-          </a:bodyPr>
-          <a:lstStyle/>
-          <a:p>
-            <a:pPr indent="0" lvl="0" marL="0" marR="0" rtl="0" algn="l">
-              <a:lnSpc>
-                <a:spcPct val="120000"/>
-              </a:lnSpc>
-              <a:spcBef>
-                <a:spcPts val="0"/>
-              </a:spcBef>
-              <a:spcAft>
-                <a:spcPts val="0"/>
-              </a:spcAft>
-              <a:buNone/>
-            </a:pPr>
-            <a:r>
-              <a:rPr b="1" i="0" lang="en-US" sz="3500" u="none" cap="none" strike="noStrike">
-                <a:solidFill>
-                  <a:srgbClr val="302B70"/>
-                </a:solidFill>
-                <a:latin typeface="Arial"/>
-                <a:ea typeface="Arial"/>
-                <a:cs typeface="Arial"/>
-                <a:sym typeface="Arial"/>
-              </a:rPr>
-              <a:t>Diego Infantas</a:t>
-            </a:r>
-            <a:endParaRPr/>
-          </a:p>
-        </p:txBody>
-      </p:sp>
-    </p:spTree>
-  </p:cSld>
-  <p:clrMapOvr>
-    <a:masterClrMapping/>
-  </p:clrMapOvr>
-</p:sld>
-</file>
-
-<file path=ppt/slides/slide3.xml><?xml version="1.0" encoding="utf-8"?>
-<p:sld xmlns:a="http://schemas.openxmlformats.org/drawingml/2006/main" xmlns:r="http://schemas.openxmlformats.org/officeDocument/2006/relationships" xmlns:mc="http://schemas.openxmlformats.org/markup-compatibility/2006" xmlns:mv="urn:schemas-microsoft-com:mac:vml" xmlns:p="http://schemas.openxmlformats.org/presentationml/2006/main" xmlns:c="http://schemas.openxmlformats.org/drawingml/2006/chart" xmlns:dgm="http://schemas.openxmlformats.org/drawingml/2006/diagram" xmlns:o="urn:schemas-microsoft-com:office:office" xmlns:v="urn:schemas-microsoft-com:vml" xmlns:pvml="urn:schemas-microsoft-com:office:powerpoint" xmlns:com="http://schemas.openxmlformats.org/drawingml/2006/compatibility" xmlns:p14="http://schemas.microsoft.com/office/powerpoint/2010/main" xmlns:p15="http://schemas.microsoft.com/office/powerpoint/2012/main" xmlns:ahyp="http://schemas.microsoft.com/office/drawing/2018/hyperlinkcolor">
-  <p:cSld>
-    <p:bg>
-      <p:bgPr>
-        <a:solidFill>
-          <a:srgbClr val="F0F2F6"/>
-        </a:solidFill>
-      </p:bgPr>
-    </p:bg>
-    <p:spTree>
-      <p:nvGrpSpPr>
-        <p:cNvPr id="122" name="Shape 122"/>
-        <p:cNvGrpSpPr/>
-        <p:nvPr/>
-      </p:nvGrpSpPr>
-      <p:grpSpPr>
-        <a:xfrm>
-          <a:off x="0" y="0"/>
-          <a:ext cx="0" cy="0"/>
-          <a:chOff x="0" y="0"/>
-          <a:chExt cx="0" cy="0"/>
-        </a:xfrm>
-      </p:grpSpPr>
-      <p:sp>
-        <p:nvSpPr>
-          <p:cNvPr id="123" name="Google Shape;123;p3"/>
-          <p:cNvSpPr/>
-          <p:nvPr/>
-        </p:nvSpPr>
-        <p:spPr>
-          <a:xfrm>
-            <a:off x="0" y="851277"/>
-            <a:ext cx="18288000" cy="8775001"/>
-          </a:xfrm>
-          <a:prstGeom prst="rect">
-            <a:avLst/>
-          </a:prstGeom>
-          <a:solidFill>
-            <a:srgbClr val="302B70"/>
-          </a:solidFill>
-          <a:ln>
-            <a:noFill/>
-          </a:ln>
-        </p:spPr>
-        <p:txBody>
-          <a:bodyPr anchorCtr="0" anchor="ctr" bIns="91425" lIns="91425" spcFirstLastPara="1" rIns="91425" wrap="square" tIns="91425">
-            <a:noAutofit/>
-          </a:bodyPr>
-          <a:lstStyle/>
-          <a:p>
-            <a:pPr indent="0" lvl="0" marL="0" rtl="0" algn="l">
-              <a:spcBef>
-                <a:spcPts val="0"/>
-              </a:spcBef>
-              <a:spcAft>
-                <a:spcPts val="0"/>
-              </a:spcAft>
-              <a:buNone/>
-            </a:pPr>
-            <a:r>
-              <a:t/>
-            </a:r>
-            <a:endParaRPr/>
-          </a:p>
-        </p:txBody>
-      </p:sp>
-      <p:sp>
-        <p:nvSpPr>
-          <p:cNvPr id="124" name="Google Shape;124;p3"/>
-          <p:cNvSpPr/>
-          <p:nvPr/>
-        </p:nvSpPr>
-        <p:spPr>
-          <a:xfrm>
-            <a:off x="66352" y="5899499"/>
-            <a:ext cx="1924696" cy="3631501"/>
-          </a:xfrm>
-          <a:custGeom>
-            <a:rect b="b" l="l" r="r" t="t"/>
-            <a:pathLst>
-              <a:path extrusionOk="0" h="3631501" w="1924696">
-                <a:moveTo>
-                  <a:pt x="0" y="0"/>
-                </a:moveTo>
-                <a:lnTo>
-                  <a:pt x="1924696" y="0"/>
-                </a:lnTo>
-                <a:lnTo>
-                  <a:pt x="1924696" y="3631502"/>
-                </a:lnTo>
-                <a:lnTo>
-                  <a:pt x="0" y="3631502"/>
-                </a:lnTo>
-                <a:lnTo>
-                  <a:pt x="0" y="0"/>
-                </a:lnTo>
-                <a:close/>
-              </a:path>
-            </a:pathLst>
-          </a:custGeom>
-          <a:blipFill rotWithShape="1">
-            <a:blip r:embed="rId3">
-              <a:alphaModFix/>
-            </a:blip>
-            <a:stretch>
-              <a:fillRect b="0" l="0" r="0" t="0"/>
-            </a:stretch>
-          </a:blipFill>
-          <a:ln>
-            <a:noFill/>
-          </a:ln>
-        </p:spPr>
-      </p:sp>
-      <p:grpSp>
-        <p:nvGrpSpPr>
-          <p:cNvPr id="125" name="Google Shape;125;p3"/>
-          <p:cNvGrpSpPr/>
-          <p:nvPr/>
-        </p:nvGrpSpPr>
-        <p:grpSpPr>
-          <a:xfrm>
-            <a:off x="8622802" y="9435723"/>
-            <a:ext cx="1042395" cy="190555"/>
-            <a:chOff x="0" y="0"/>
-            <a:chExt cx="1389861" cy="254073"/>
-          </a:xfrm>
-        </p:grpSpPr>
-        <p:sp>
-          <p:nvSpPr>
-            <p:cNvPr id="126" name="Google Shape;126;p3"/>
-            <p:cNvSpPr/>
-            <p:nvPr/>
-          </p:nvSpPr>
-          <p:spPr>
-            <a:xfrm>
-              <a:off x="0" y="0"/>
-              <a:ext cx="254073" cy="254073"/>
-            </a:xfrm>
-            <a:custGeom>
-              <a:rect b="b" l="l" r="r" t="t"/>
-              <a:pathLst>
-                <a:path extrusionOk="0" h="254073" w="254073">
-                  <a:moveTo>
-                    <a:pt x="0" y="0"/>
-                  </a:moveTo>
-                  <a:lnTo>
-                    <a:pt x="254073" y="0"/>
-                  </a:lnTo>
-                  <a:lnTo>
-                    <a:pt x="254073" y="254073"/>
-                  </a:lnTo>
-                  <a:lnTo>
-                    <a:pt x="0" y="254073"/>
-                  </a:lnTo>
-                  <a:lnTo>
-                    <a:pt x="0" y="0"/>
-                  </a:lnTo>
-                  <a:close/>
-                </a:path>
-              </a:pathLst>
-            </a:custGeom>
-            <a:blipFill rotWithShape="1">
-              <a:blip r:embed="rId4">
-                <a:alphaModFix/>
-              </a:blip>
-              <a:stretch>
-                <a:fillRect b="0" l="0" r="0" t="0"/>
-              </a:stretch>
-            </a:blipFill>
-            <a:ln>
-              <a:noFill/>
-            </a:ln>
-          </p:spPr>
-        </p:sp>
-        <p:sp>
-          <p:nvSpPr>
-            <p:cNvPr id="127" name="Google Shape;127;p3"/>
-            <p:cNvSpPr/>
-            <p:nvPr/>
-          </p:nvSpPr>
-          <p:spPr>
-            <a:xfrm>
-              <a:off x="567894" y="0"/>
-              <a:ext cx="254073" cy="254073"/>
-            </a:xfrm>
-            <a:custGeom>
-              <a:rect b="b" l="l" r="r" t="t"/>
-              <a:pathLst>
-                <a:path extrusionOk="0" h="254073" w="254073">
-                  <a:moveTo>
-                    <a:pt x="0" y="0"/>
-                  </a:moveTo>
-                  <a:lnTo>
-                    <a:pt x="254074" y="0"/>
-                  </a:lnTo>
-                  <a:lnTo>
-                    <a:pt x="254074" y="254073"/>
-                  </a:lnTo>
-                  <a:lnTo>
-                    <a:pt x="0" y="254073"/>
-                  </a:lnTo>
-                  <a:lnTo>
-                    <a:pt x="0" y="0"/>
-                  </a:lnTo>
-                  <a:close/>
-                </a:path>
-              </a:pathLst>
-            </a:custGeom>
-            <a:blipFill rotWithShape="1">
-              <a:blip r:embed="rId5">
-                <a:alphaModFix/>
-              </a:blip>
-              <a:stretch>
-                <a:fillRect b="0" l="0" r="0" t="0"/>
-              </a:stretch>
-            </a:blipFill>
-            <a:ln>
-              <a:noFill/>
-            </a:ln>
-          </p:spPr>
-        </p:sp>
-        <p:sp>
-          <p:nvSpPr>
-            <p:cNvPr id="128" name="Google Shape;128;p3"/>
-            <p:cNvSpPr/>
-            <p:nvPr/>
-          </p:nvSpPr>
-          <p:spPr>
-            <a:xfrm>
-              <a:off x="1135788" y="0"/>
-              <a:ext cx="254073" cy="254073"/>
-            </a:xfrm>
-            <a:custGeom>
-              <a:rect b="b" l="l" r="r" t="t"/>
-              <a:pathLst>
-                <a:path extrusionOk="0" h="254073" w="254073">
-                  <a:moveTo>
-                    <a:pt x="0" y="0"/>
-                  </a:moveTo>
-                  <a:lnTo>
-                    <a:pt x="254074" y="0"/>
-                  </a:lnTo>
-                  <a:lnTo>
-                    <a:pt x="254074" y="254073"/>
-                  </a:lnTo>
-                  <a:lnTo>
-                    <a:pt x="0" y="254073"/>
-                  </a:lnTo>
-                  <a:lnTo>
-                    <a:pt x="0" y="0"/>
-                  </a:lnTo>
-                  <a:close/>
-                </a:path>
-              </a:pathLst>
-            </a:custGeom>
-            <a:blipFill rotWithShape="1">
-              <a:blip r:embed="rId4">
-                <a:alphaModFix/>
-              </a:blip>
-              <a:stretch>
-                <a:fillRect b="0" l="0" r="0" t="0"/>
-              </a:stretch>
-            </a:blipFill>
-            <a:ln>
-              <a:noFill/>
-            </a:ln>
-          </p:spPr>
-        </p:sp>
-      </p:grpSp>
-      <p:sp>
-        <p:nvSpPr>
-          <p:cNvPr id="129" name="Google Shape;129;p3"/>
+          <p:cNvPr id="116" name="Google Shape;116;p3"/>
           <p:cNvSpPr/>
           <p:nvPr/>
         </p:nvSpPr>
@@ -13992,7 +13479,7 @@
       </p:sp>
       <p:sp>
         <p:nvSpPr>
-          <p:cNvPr id="130" name="Google Shape;130;p3"/>
+          <p:cNvPr id="117" name="Google Shape;117;p3"/>
           <p:cNvSpPr/>
           <p:nvPr/>
         </p:nvSpPr>
@@ -14039,7 +13526,7 @@
       </p:sp>
       <p:sp>
         <p:nvSpPr>
-          <p:cNvPr id="131" name="Google Shape;131;p3"/>
+          <p:cNvPr id="118" name="Google Shape;118;p3"/>
           <p:cNvSpPr/>
           <p:nvPr/>
         </p:nvSpPr>
@@ -14086,7 +13573,7 @@
       </p:sp>
       <p:sp>
         <p:nvSpPr>
-          <p:cNvPr id="132" name="Google Shape;132;p3"/>
+          <p:cNvPr id="119" name="Google Shape;119;p3"/>
           <p:cNvSpPr/>
           <p:nvPr/>
         </p:nvSpPr>
@@ -14133,7 +13620,7 @@
       </p:sp>
       <p:grpSp>
         <p:nvGrpSpPr>
-          <p:cNvPr id="133" name="Google Shape;133;p3"/>
+          <p:cNvPr id="120" name="Google Shape;120;p3"/>
           <p:cNvGrpSpPr/>
           <p:nvPr/>
         </p:nvGrpSpPr>
@@ -14147,7 +13634,7 @@
         </p:grpSpPr>
         <p:sp>
           <p:nvSpPr>
-            <p:cNvPr id="134" name="Google Shape;134;p3"/>
+            <p:cNvPr id="121" name="Google Shape;121;p3"/>
             <p:cNvSpPr txBox="1"/>
             <p:nvPr/>
           </p:nvSpPr>
@@ -14200,7 +13687,7 @@
         </p:sp>
         <p:sp>
           <p:nvSpPr>
-            <p:cNvPr id="135" name="Google Shape;135;p3"/>
+            <p:cNvPr id="122" name="Google Shape;122;p3"/>
             <p:cNvSpPr txBox="1"/>
             <p:nvPr/>
           </p:nvSpPr>
@@ -14253,7 +13740,7 @@
       </p:grpSp>
       <p:sp>
         <p:nvSpPr>
-          <p:cNvPr id="136" name="Google Shape;136;p3"/>
+          <p:cNvPr id="123" name="Google Shape;123;p3"/>
           <p:cNvSpPr txBox="1"/>
           <p:nvPr/>
         </p:nvSpPr>
@@ -14447,7 +13934,7 @@
 </p:sld>
 </file>
 
-<file path=ppt/slides/slide4.xml><?xml version="1.0" encoding="utf-8"?>
+<file path=ppt/slides/slide3.xml><?xml version="1.0" encoding="utf-8"?>
 <p:sld xmlns:a="http://schemas.openxmlformats.org/drawingml/2006/main" xmlns:r="http://schemas.openxmlformats.org/officeDocument/2006/relationships" xmlns:mc="http://schemas.openxmlformats.org/markup-compatibility/2006" xmlns:mv="urn:schemas-microsoft-com:mac:vml" xmlns:p="http://schemas.openxmlformats.org/presentationml/2006/main" xmlns:c="http://schemas.openxmlformats.org/drawingml/2006/chart" xmlns:dgm="http://schemas.openxmlformats.org/drawingml/2006/diagram" xmlns:o="urn:schemas-microsoft-com:office:office" xmlns:v="urn:schemas-microsoft-com:vml" xmlns:pvml="urn:schemas-microsoft-com:office:powerpoint" xmlns:com="http://schemas.openxmlformats.org/drawingml/2006/compatibility" xmlns:p14="http://schemas.microsoft.com/office/powerpoint/2010/main" xmlns:p15="http://schemas.microsoft.com/office/powerpoint/2012/main" xmlns:ahyp="http://schemas.microsoft.com/office/drawing/2018/hyperlinkcolor">
   <p:cSld>
     <p:bg>
@@ -14459,7 +13946,7 @@
     </p:bg>
     <p:spTree>
       <p:nvGrpSpPr>
-        <p:cNvPr id="144" name="Shape 144"/>
+        <p:cNvPr id="131" name="Shape 131"/>
         <p:cNvGrpSpPr/>
         <p:nvPr/>
       </p:nvGrpSpPr>
@@ -14473,7 +13960,7 @@
       </p:grpSpPr>
       <p:sp>
         <p:nvSpPr>
-          <p:cNvPr id="145" name="Google Shape;145;p4"/>
+          <p:cNvPr id="132" name="Google Shape;132;p4"/>
           <p:cNvSpPr/>
           <p:nvPr/>
         </p:nvSpPr>
@@ -14516,7 +14003,7 @@
       </p:sp>
       <p:grpSp>
         <p:nvGrpSpPr>
-          <p:cNvPr id="146" name="Google Shape;146;p4"/>
+          <p:cNvPr id="133" name="Google Shape;133;p4"/>
           <p:cNvGrpSpPr/>
           <p:nvPr/>
         </p:nvGrpSpPr>
@@ -14530,7 +14017,7 @@
         </p:grpSpPr>
         <p:sp>
           <p:nvSpPr>
-            <p:cNvPr id="147" name="Google Shape;147;p4"/>
+            <p:cNvPr id="134" name="Google Shape;134;p4"/>
             <p:cNvSpPr/>
             <p:nvPr/>
           </p:nvSpPr>
@@ -14577,7 +14064,7 @@
         </p:sp>
         <p:sp>
           <p:nvSpPr>
-            <p:cNvPr id="148" name="Google Shape;148;p4"/>
+            <p:cNvPr id="135" name="Google Shape;135;p4"/>
             <p:cNvSpPr/>
             <p:nvPr/>
           </p:nvSpPr>
@@ -14624,7 +14111,7 @@
         </p:sp>
         <p:sp>
           <p:nvSpPr>
-            <p:cNvPr id="149" name="Google Shape;149;p4"/>
+            <p:cNvPr id="136" name="Google Shape;136;p4"/>
             <p:cNvSpPr/>
             <p:nvPr/>
           </p:nvSpPr>
@@ -14672,7 +14159,7 @@
       </p:grpSp>
       <p:sp>
         <p:nvSpPr>
-          <p:cNvPr id="150" name="Google Shape;150;p4"/>
+          <p:cNvPr id="137" name="Google Shape;137;p4"/>
           <p:cNvSpPr txBox="1"/>
           <p:nvPr/>
         </p:nvSpPr>
@@ -14948,7 +14435,7 @@
       </p:sp>
       <p:sp>
         <p:nvSpPr>
-          <p:cNvPr id="151" name="Google Shape;151;p4"/>
+          <p:cNvPr id="138" name="Google Shape;138;p4"/>
           <p:cNvSpPr/>
           <p:nvPr/>
         </p:nvSpPr>
@@ -14995,7 +14482,7 @@
       </p:sp>
       <p:grpSp>
         <p:nvGrpSpPr>
-          <p:cNvPr id="152" name="Google Shape;152;p4"/>
+          <p:cNvPr id="139" name="Google Shape;139;p4"/>
           <p:cNvGrpSpPr/>
           <p:nvPr/>
         </p:nvGrpSpPr>
@@ -15009,7 +14496,7 @@
         </p:grpSpPr>
         <p:sp>
           <p:nvSpPr>
-            <p:cNvPr id="153" name="Google Shape;153;p4"/>
+            <p:cNvPr id="140" name="Google Shape;140;p4"/>
             <p:cNvSpPr txBox="1"/>
             <p:nvPr/>
           </p:nvSpPr>
@@ -15062,7 +14549,7 @@
         </p:sp>
         <p:sp>
           <p:nvSpPr>
-            <p:cNvPr id="154" name="Google Shape;154;p4"/>
+            <p:cNvPr id="141" name="Google Shape;141;p4"/>
             <p:cNvSpPr txBox="1"/>
             <p:nvPr/>
           </p:nvSpPr>
@@ -15115,7 +14602,7 @@
       </p:grpSp>
       <p:sp>
         <p:nvSpPr>
-          <p:cNvPr id="155" name="Google Shape;155;p4"/>
+          <p:cNvPr id="142" name="Google Shape;142;p4"/>
           <p:cNvSpPr/>
           <p:nvPr/>
         </p:nvSpPr>
@@ -15162,7 +14649,7 @@
       </p:sp>
       <p:sp>
         <p:nvSpPr>
-          <p:cNvPr id="156" name="Google Shape;156;p4"/>
+          <p:cNvPr id="143" name="Google Shape;143;p4"/>
           <p:cNvSpPr/>
           <p:nvPr/>
         </p:nvSpPr>
@@ -15209,7 +14696,7 @@
       </p:sp>
       <p:sp>
         <p:nvSpPr>
-          <p:cNvPr id="157" name="Google Shape;157;p4"/>
+          <p:cNvPr id="144" name="Google Shape;144;p4"/>
           <p:cNvSpPr/>
           <p:nvPr/>
         </p:nvSpPr>
@@ -15262,7 +14749,7 @@
 </p:sld>
 </file>
 
-<file path=ppt/slides/slide5.xml><?xml version="1.0" encoding="utf-8"?>
+<file path=ppt/slides/slide4.xml><?xml version="1.0" encoding="utf-8"?>
 <p:sld xmlns:a="http://schemas.openxmlformats.org/drawingml/2006/main" xmlns:r="http://schemas.openxmlformats.org/officeDocument/2006/relationships" xmlns:mc="http://schemas.openxmlformats.org/markup-compatibility/2006" xmlns:mv="urn:schemas-microsoft-com:mac:vml" xmlns:p="http://schemas.openxmlformats.org/presentationml/2006/main" xmlns:c="http://schemas.openxmlformats.org/drawingml/2006/chart" xmlns:dgm="http://schemas.openxmlformats.org/drawingml/2006/diagram" xmlns:o="urn:schemas-microsoft-com:office:office" xmlns:v="urn:schemas-microsoft-com:vml" xmlns:pvml="urn:schemas-microsoft-com:office:powerpoint" xmlns:com="http://schemas.openxmlformats.org/drawingml/2006/compatibility" xmlns:p14="http://schemas.microsoft.com/office/powerpoint/2010/main" xmlns:p15="http://schemas.microsoft.com/office/powerpoint/2012/main" xmlns:ahyp="http://schemas.microsoft.com/office/drawing/2018/hyperlinkcolor">
   <p:cSld>
     <p:bg>
@@ -15274,7 +14761,7 @@
     </p:bg>
     <p:spTree>
       <p:nvGrpSpPr>
-        <p:cNvPr id="165" name="Shape 165"/>
+        <p:cNvPr id="152" name="Shape 152"/>
         <p:cNvGrpSpPr/>
         <p:nvPr/>
       </p:nvGrpSpPr>
@@ -15288,7 +14775,7 @@
       </p:grpSpPr>
       <p:sp>
         <p:nvSpPr>
-          <p:cNvPr id="166" name="Google Shape;166;p5"/>
+          <p:cNvPr id="153" name="Google Shape;153;p5"/>
           <p:cNvSpPr/>
           <p:nvPr/>
         </p:nvSpPr>
@@ -15331,7 +14818,7 @@
       </p:sp>
       <p:sp>
         <p:nvSpPr>
-          <p:cNvPr id="167" name="Google Shape;167;p5"/>
+          <p:cNvPr id="154" name="Google Shape;154;p5"/>
           <p:cNvSpPr/>
           <p:nvPr/>
         </p:nvSpPr>
@@ -15378,7 +14865,7 @@
       </p:sp>
       <p:sp>
         <p:nvSpPr>
-          <p:cNvPr id="168" name="Google Shape;168;p5"/>
+          <p:cNvPr id="155" name="Google Shape;155;p5"/>
           <p:cNvSpPr/>
           <p:nvPr/>
         </p:nvSpPr>
@@ -15425,7 +14912,7 @@
       </p:sp>
       <p:sp>
         <p:nvSpPr>
-          <p:cNvPr id="169" name="Google Shape;169;p5"/>
+          <p:cNvPr id="156" name="Google Shape;156;p5"/>
           <p:cNvSpPr/>
           <p:nvPr/>
         </p:nvSpPr>
@@ -15472,7 +14959,7 @@
       </p:sp>
       <p:sp>
         <p:nvSpPr>
-          <p:cNvPr id="170" name="Google Shape;170;p5"/>
+          <p:cNvPr id="157" name="Google Shape;157;p5"/>
           <p:cNvSpPr/>
           <p:nvPr/>
         </p:nvSpPr>
@@ -15519,7 +15006,7 @@
       </p:sp>
       <p:grpSp>
         <p:nvGrpSpPr>
-          <p:cNvPr id="171" name="Google Shape;171;p5"/>
+          <p:cNvPr id="158" name="Google Shape;158;p5"/>
           <p:cNvGrpSpPr/>
           <p:nvPr/>
         </p:nvGrpSpPr>
@@ -15533,7 +15020,7 @@
         </p:grpSpPr>
         <p:sp>
           <p:nvSpPr>
-            <p:cNvPr id="172" name="Google Shape;172;p5"/>
+            <p:cNvPr id="159" name="Google Shape;159;p5"/>
             <p:cNvSpPr/>
             <p:nvPr/>
           </p:nvSpPr>
@@ -15580,7 +15067,7 @@
         </p:sp>
         <p:sp>
           <p:nvSpPr>
-            <p:cNvPr id="173" name="Google Shape;173;p5"/>
+            <p:cNvPr id="160" name="Google Shape;160;p5"/>
             <p:cNvSpPr/>
             <p:nvPr/>
           </p:nvSpPr>
@@ -15627,7 +15114,7 @@
         </p:sp>
         <p:sp>
           <p:nvSpPr>
-            <p:cNvPr id="174" name="Google Shape;174;p5"/>
+            <p:cNvPr id="161" name="Google Shape;161;p5"/>
             <p:cNvSpPr/>
             <p:nvPr/>
           </p:nvSpPr>
@@ -15675,7 +15162,7 @@
       </p:grpSp>
       <p:sp>
         <p:nvSpPr>
-          <p:cNvPr id="175" name="Google Shape;175;p5"/>
+          <p:cNvPr id="162" name="Google Shape;162;p5"/>
           <p:cNvSpPr/>
           <p:nvPr/>
         </p:nvSpPr>
@@ -15722,7 +15209,7 @@
       </p:sp>
       <p:sp>
         <p:nvSpPr>
-          <p:cNvPr id="176" name="Google Shape;176;p5"/>
+          <p:cNvPr id="163" name="Google Shape;163;p5"/>
           <p:cNvSpPr/>
           <p:nvPr/>
         </p:nvSpPr>
@@ -15769,7 +15256,7 @@
       </p:sp>
       <p:sp>
         <p:nvSpPr>
-          <p:cNvPr id="177" name="Google Shape;177;p5"/>
+          <p:cNvPr id="164" name="Google Shape;164;p5"/>
           <p:cNvSpPr/>
           <p:nvPr/>
         </p:nvSpPr>
@@ -15816,7 +15303,7 @@
       </p:sp>
       <p:sp>
         <p:nvSpPr>
-          <p:cNvPr id="178" name="Google Shape;178;p5"/>
+          <p:cNvPr id="165" name="Google Shape;165;p5"/>
           <p:cNvSpPr/>
           <p:nvPr/>
         </p:nvSpPr>
@@ -15863,7 +15350,7 @@
       </p:sp>
       <p:grpSp>
         <p:nvGrpSpPr>
-          <p:cNvPr id="179" name="Google Shape;179;p5"/>
+          <p:cNvPr id="166" name="Google Shape;166;p5"/>
           <p:cNvGrpSpPr/>
           <p:nvPr/>
         </p:nvGrpSpPr>
@@ -15877,7 +15364,7 @@
         </p:grpSpPr>
         <p:sp>
           <p:nvSpPr>
-            <p:cNvPr id="180" name="Google Shape;180;p5"/>
+            <p:cNvPr id="167" name="Google Shape;167;p5"/>
             <p:cNvSpPr txBox="1"/>
             <p:nvPr/>
           </p:nvSpPr>
@@ -15930,7 +15417,7 @@
         </p:sp>
         <p:sp>
           <p:nvSpPr>
-            <p:cNvPr id="181" name="Google Shape;181;p5"/>
+            <p:cNvPr id="168" name="Google Shape;168;p5"/>
             <p:cNvSpPr txBox="1"/>
             <p:nvPr/>
           </p:nvSpPr>
@@ -15983,7 +15470,7 @@
       </p:grpSp>
       <p:sp>
         <p:nvSpPr>
-          <p:cNvPr id="182" name="Google Shape;182;p5"/>
+          <p:cNvPr id="169" name="Google Shape;169;p5"/>
           <p:cNvSpPr txBox="1"/>
           <p:nvPr/>
         </p:nvSpPr>
@@ -16175,7 +15662,7 @@
 </p:sld>
 </file>
 
-<file path=ppt/slides/slide6.xml><?xml version="1.0" encoding="utf-8"?>
+<file path=ppt/slides/slide5.xml><?xml version="1.0" encoding="utf-8"?>
 <p:sld xmlns:a="http://schemas.openxmlformats.org/drawingml/2006/main" xmlns:r="http://schemas.openxmlformats.org/officeDocument/2006/relationships" xmlns:mc="http://schemas.openxmlformats.org/markup-compatibility/2006" xmlns:mv="urn:schemas-microsoft-com:mac:vml" xmlns:p="http://schemas.openxmlformats.org/presentationml/2006/main" xmlns:c="http://schemas.openxmlformats.org/drawingml/2006/chart" xmlns:dgm="http://schemas.openxmlformats.org/drawingml/2006/diagram" xmlns:o="urn:schemas-microsoft-com:office:office" xmlns:v="urn:schemas-microsoft-com:vml" xmlns:pvml="urn:schemas-microsoft-com:office:powerpoint" xmlns:com="http://schemas.openxmlformats.org/drawingml/2006/compatibility" xmlns:p14="http://schemas.microsoft.com/office/powerpoint/2010/main" xmlns:p15="http://schemas.microsoft.com/office/powerpoint/2012/main" xmlns:ahyp="http://schemas.microsoft.com/office/drawing/2018/hyperlinkcolor">
   <p:cSld>
     <p:bg>
@@ -16187,7 +15674,7 @@
     </p:bg>
     <p:spTree>
       <p:nvGrpSpPr>
-        <p:cNvPr id="186" name="Shape 186"/>
+        <p:cNvPr id="173" name="Shape 173"/>
         <p:cNvGrpSpPr/>
         <p:nvPr/>
       </p:nvGrpSpPr>
@@ -16201,7 +15688,7 @@
       </p:grpSpPr>
       <p:grpSp>
         <p:nvGrpSpPr>
-          <p:cNvPr id="187" name="Google Shape;187;p6"/>
+          <p:cNvPr id="174" name="Google Shape;174;p6"/>
           <p:cNvGrpSpPr/>
           <p:nvPr/>
         </p:nvGrpSpPr>
@@ -16215,7 +15702,7 @@
         </p:grpSpPr>
         <p:sp>
           <p:nvSpPr>
-            <p:cNvPr id="188" name="Google Shape;188;p6"/>
+            <p:cNvPr id="175" name="Google Shape;175;p6"/>
             <p:cNvSpPr/>
             <p:nvPr/>
           </p:nvSpPr>
@@ -16262,7 +15749,7 @@
         </p:sp>
         <p:sp>
           <p:nvSpPr>
-            <p:cNvPr id="189" name="Google Shape;189;p6"/>
+            <p:cNvPr id="176" name="Google Shape;176;p6"/>
             <p:cNvSpPr/>
             <p:nvPr/>
           </p:nvSpPr>
@@ -16309,7 +15796,7 @@
         </p:sp>
         <p:sp>
           <p:nvSpPr>
-            <p:cNvPr id="190" name="Google Shape;190;p6"/>
+            <p:cNvPr id="177" name="Google Shape;177;p6"/>
             <p:cNvSpPr/>
             <p:nvPr/>
           </p:nvSpPr>
@@ -16357,7 +15844,7 @@
       </p:grpSp>
       <p:sp>
         <p:nvSpPr>
-          <p:cNvPr id="191" name="Google Shape;191;p6"/>
+          <p:cNvPr id="178" name="Google Shape;178;p6"/>
           <p:cNvSpPr/>
           <p:nvPr/>
         </p:nvSpPr>
@@ -16400,7 +15887,7 @@
       </p:sp>
       <p:sp>
         <p:nvSpPr>
-          <p:cNvPr id="192" name="Google Shape;192;p6"/>
+          <p:cNvPr id="179" name="Google Shape;179;p6"/>
           <p:cNvSpPr/>
           <p:nvPr/>
         </p:nvSpPr>
@@ -16445,7 +15932,7 @@
       </p:sp>
       <p:sp>
         <p:nvSpPr>
-          <p:cNvPr id="193" name="Google Shape;193;p6"/>
+          <p:cNvPr id="180" name="Google Shape;180;p6"/>
           <p:cNvSpPr/>
           <p:nvPr/>
         </p:nvSpPr>
@@ -16492,7 +15979,7 @@
       </p:sp>
       <p:grpSp>
         <p:nvGrpSpPr>
-          <p:cNvPr id="194" name="Google Shape;194;p6"/>
+          <p:cNvPr id="181" name="Google Shape;181;p6"/>
           <p:cNvGrpSpPr/>
           <p:nvPr/>
         </p:nvGrpSpPr>
@@ -16506,7 +15993,7 @@
         </p:grpSpPr>
         <p:sp>
           <p:nvSpPr>
-            <p:cNvPr id="195" name="Google Shape;195;p6"/>
+            <p:cNvPr id="182" name="Google Shape;182;p6"/>
             <p:cNvSpPr txBox="1"/>
             <p:nvPr/>
           </p:nvSpPr>
@@ -16559,7 +16046,7 @@
         </p:sp>
         <p:sp>
           <p:nvSpPr>
-            <p:cNvPr id="196" name="Google Shape;196;p6"/>
+            <p:cNvPr id="183" name="Google Shape;183;p6"/>
             <p:cNvSpPr txBox="1"/>
             <p:nvPr/>
           </p:nvSpPr>
@@ -16613,7 +16100,7 @@
       </p:grpSp>
       <p:sp>
         <p:nvSpPr>
-          <p:cNvPr id="197" name="Google Shape;197;p6"/>
+          <p:cNvPr id="184" name="Google Shape;184;p6"/>
           <p:cNvSpPr/>
           <p:nvPr/>
         </p:nvSpPr>
@@ -16656,7 +16143,7 @@
       </p:sp>
       <p:sp>
         <p:nvSpPr>
-          <p:cNvPr id="198" name="Google Shape;198;p6"/>
+          <p:cNvPr id="185" name="Google Shape;185;p6"/>
           <p:cNvSpPr/>
           <p:nvPr/>
         </p:nvSpPr>
@@ -16701,7 +16188,7 @@
       </p:sp>
       <p:grpSp>
         <p:nvGrpSpPr>
-          <p:cNvPr id="199" name="Google Shape;199;p6"/>
+          <p:cNvPr id="186" name="Google Shape;186;p6"/>
           <p:cNvGrpSpPr/>
           <p:nvPr/>
         </p:nvGrpSpPr>
@@ -16715,7 +16202,7 @@
         </p:grpSpPr>
         <p:sp>
           <p:nvSpPr>
-            <p:cNvPr id="200" name="Google Shape;200;p6"/>
+            <p:cNvPr id="187" name="Google Shape;187;p6"/>
             <p:cNvSpPr txBox="1"/>
             <p:nvPr/>
           </p:nvSpPr>
@@ -16768,7 +16255,7 @@
         </p:sp>
         <p:sp>
           <p:nvSpPr>
-            <p:cNvPr id="201" name="Google Shape;201;p6"/>
+            <p:cNvPr id="188" name="Google Shape;188;p6"/>
             <p:cNvSpPr txBox="1"/>
             <p:nvPr/>
           </p:nvSpPr>
@@ -16821,7 +16308,7 @@
       </p:grpSp>
       <p:grpSp>
         <p:nvGrpSpPr>
-          <p:cNvPr id="202" name="Google Shape;202;p6"/>
+          <p:cNvPr id="189" name="Google Shape;189;p6"/>
           <p:cNvGrpSpPr/>
           <p:nvPr/>
         </p:nvGrpSpPr>
@@ -16835,7 +16322,7 @@
         </p:grpSpPr>
         <p:sp>
           <p:nvSpPr>
-            <p:cNvPr id="203" name="Google Shape;203;p6"/>
+            <p:cNvPr id="190" name="Google Shape;190;p6"/>
             <p:cNvSpPr txBox="1"/>
             <p:nvPr/>
           </p:nvSpPr>
@@ -16888,7 +16375,7 @@
         </p:sp>
         <p:sp>
           <p:nvSpPr>
-            <p:cNvPr id="204" name="Google Shape;204;p6"/>
+            <p:cNvPr id="191" name="Google Shape;191;p6"/>
             <p:cNvSpPr txBox="1"/>
             <p:nvPr/>
           </p:nvSpPr>
@@ -16942,7 +16429,7 @@
       </p:grpSp>
       <p:grpSp>
         <p:nvGrpSpPr>
-          <p:cNvPr id="205" name="Google Shape;205;p6"/>
+          <p:cNvPr id="192" name="Google Shape;192;p6"/>
           <p:cNvGrpSpPr/>
           <p:nvPr/>
         </p:nvGrpSpPr>
@@ -16956,7 +16443,7 @@
         </p:grpSpPr>
         <p:sp>
           <p:nvSpPr>
-            <p:cNvPr id="206" name="Google Shape;206;p6"/>
+            <p:cNvPr id="193" name="Google Shape;193;p6"/>
             <p:cNvSpPr txBox="1"/>
             <p:nvPr/>
           </p:nvSpPr>
@@ -17009,7 +16496,7 @@
         </p:sp>
         <p:sp>
           <p:nvSpPr>
-            <p:cNvPr id="207" name="Google Shape;207;p6"/>
+            <p:cNvPr id="194" name="Google Shape;194;p6"/>
             <p:cNvSpPr txBox="1"/>
             <p:nvPr/>
           </p:nvSpPr>
@@ -17071,7 +16558,7 @@
       </p:grpSp>
       <p:sp>
         <p:nvSpPr>
-          <p:cNvPr id="208" name="Google Shape;208;p6"/>
+          <p:cNvPr id="195" name="Google Shape;195;p6"/>
           <p:cNvSpPr/>
           <p:nvPr/>
         </p:nvSpPr>
@@ -17118,7 +16605,7 @@
       </p:sp>
       <p:sp>
         <p:nvSpPr>
-          <p:cNvPr id="209" name="Google Shape;209;p6"/>
+          <p:cNvPr id="196" name="Google Shape;196;p6"/>
           <p:cNvSpPr/>
           <p:nvPr/>
         </p:nvSpPr>
@@ -17165,7 +16652,7 @@
       </p:sp>
       <p:sp>
         <p:nvSpPr>
-          <p:cNvPr id="210" name="Google Shape;210;p6"/>
+          <p:cNvPr id="197" name="Google Shape;197;p6"/>
           <p:cNvSpPr/>
           <p:nvPr/>
         </p:nvSpPr>
@@ -17218,7 +16705,7 @@
 </p:sld>
 </file>
 
-<file path=ppt/slides/slide7.xml><?xml version="1.0" encoding="utf-8"?>
+<file path=ppt/slides/slide6.xml><?xml version="1.0" encoding="utf-8"?>
 <p:sld xmlns:a="http://schemas.openxmlformats.org/drawingml/2006/main" xmlns:r="http://schemas.openxmlformats.org/officeDocument/2006/relationships" xmlns:mc="http://schemas.openxmlformats.org/markup-compatibility/2006" xmlns:mv="urn:schemas-microsoft-com:mac:vml" xmlns:p="http://schemas.openxmlformats.org/presentationml/2006/main" xmlns:c="http://schemas.openxmlformats.org/drawingml/2006/chart" xmlns:dgm="http://schemas.openxmlformats.org/drawingml/2006/diagram" xmlns:o="urn:schemas-microsoft-com:office:office" xmlns:v="urn:schemas-microsoft-com:vml" xmlns:pvml="urn:schemas-microsoft-com:office:powerpoint" xmlns:com="http://schemas.openxmlformats.org/drawingml/2006/compatibility" xmlns:p14="http://schemas.microsoft.com/office/powerpoint/2010/main" xmlns:p15="http://schemas.microsoft.com/office/powerpoint/2012/main" xmlns:ahyp="http://schemas.microsoft.com/office/drawing/2018/hyperlinkcolor">
   <p:cSld>
     <p:bg>
@@ -17230,7 +16717,7 @@
     </p:bg>
     <p:spTree>
       <p:nvGrpSpPr>
-        <p:cNvPr id="218" name="Shape 218"/>
+        <p:cNvPr id="205" name="Shape 205"/>
         <p:cNvGrpSpPr/>
         <p:nvPr/>
       </p:nvGrpSpPr>
@@ -17244,7 +16731,7 @@
       </p:grpSpPr>
       <p:grpSp>
         <p:nvGrpSpPr>
-          <p:cNvPr id="219" name="Google Shape;219;p7"/>
+          <p:cNvPr id="206" name="Google Shape;206;p7"/>
           <p:cNvGrpSpPr/>
           <p:nvPr/>
         </p:nvGrpSpPr>
@@ -17258,7 +16745,7 @@
         </p:grpSpPr>
         <p:sp>
           <p:nvSpPr>
-            <p:cNvPr id="220" name="Google Shape;220;p7"/>
+            <p:cNvPr id="207" name="Google Shape;207;p7"/>
             <p:cNvSpPr/>
             <p:nvPr/>
           </p:nvSpPr>
@@ -17305,7 +16792,7 @@
         </p:sp>
         <p:sp>
           <p:nvSpPr>
-            <p:cNvPr id="221" name="Google Shape;221;p7"/>
+            <p:cNvPr id="208" name="Google Shape;208;p7"/>
             <p:cNvSpPr/>
             <p:nvPr/>
           </p:nvSpPr>
@@ -17352,7 +16839,7 @@
         </p:sp>
         <p:sp>
           <p:nvSpPr>
-            <p:cNvPr id="222" name="Google Shape;222;p7"/>
+            <p:cNvPr id="209" name="Google Shape;209;p7"/>
             <p:cNvSpPr/>
             <p:nvPr/>
           </p:nvSpPr>
@@ -17398,75 +16885,30 @@
           </p:spPr>
         </p:sp>
       </p:grpSp>
-      <p:sp>
-        <p:nvSpPr>
-          <p:cNvPr id="223" name="Google Shape;223;p7"/>
-          <p:cNvSpPr/>
-          <p:nvPr/>
-        </p:nvSpPr>
-        <p:spPr>
-          <a:xfrm>
-            <a:off x="-15925" y="325"/>
-            <a:ext cx="10473900" cy="10286700"/>
-          </a:xfrm>
-          <a:prstGeom prst="rect">
-            <a:avLst/>
-          </a:prstGeom>
-          <a:solidFill>
-            <a:srgbClr val="F0F2F6">
-              <a:alpha val="80000"/>
-            </a:srgbClr>
-          </a:solidFill>
-          <a:ln>
-            <a:noFill/>
-          </a:ln>
-        </p:spPr>
-        <p:txBody>
-          <a:bodyPr anchorCtr="0" anchor="ctr" bIns="91425" lIns="91425" spcFirstLastPara="1" rIns="91425" wrap="square" tIns="91425">
-            <a:noAutofit/>
-          </a:bodyPr>
-          <a:lstStyle/>
-          <a:p>
-            <a:pPr indent="0" lvl="0" marL="0" rtl="0" algn="l">
-              <a:spcBef>
-                <a:spcPts val="0"/>
-              </a:spcBef>
-              <a:spcAft>
-                <a:spcPts val="0"/>
-              </a:spcAft>
-              <a:buNone/>
-            </a:pPr>
-            <a:r>
-              <a:t/>
-            </a:r>
-            <a:endParaRPr/>
-          </a:p>
-        </p:txBody>
-      </p:sp>
       <p:grpSp>
         <p:nvGrpSpPr>
-          <p:cNvPr id="224" name="Google Shape;224;p7"/>
+          <p:cNvPr id="210" name="Google Shape;210;p7"/>
           <p:cNvGrpSpPr/>
           <p:nvPr/>
         </p:nvGrpSpPr>
         <p:grpSpPr>
           <a:xfrm>
-            <a:off x="12184577" y="4461482"/>
-            <a:ext cx="5074723" cy="4679667"/>
-            <a:chOff x="0" y="-22782"/>
-            <a:chExt cx="6766297" cy="6239555"/>
+            <a:off x="333175" y="226325"/>
+            <a:ext cx="16926125" cy="8914824"/>
+            <a:chOff x="-15801869" y="-5669659"/>
+            <a:chExt cx="22568166" cy="11886432"/>
           </a:xfrm>
         </p:grpSpPr>
         <p:sp>
           <p:nvSpPr>
-            <p:cNvPr id="225" name="Google Shape;225;p7"/>
+            <p:cNvPr id="211" name="Google Shape;211;p7"/>
             <p:cNvSpPr txBox="1"/>
             <p:nvPr/>
           </p:nvSpPr>
           <p:spPr>
             <a:xfrm>
-              <a:off x="0" y="-22782"/>
-              <a:ext cx="6766297" cy="4846429"/>
+              <a:off x="-15801869" y="-5669659"/>
+              <a:ext cx="21959400" cy="1641900"/>
             </a:xfrm>
             <a:prstGeom prst="rect">
               <a:avLst/>
@@ -17482,7 +16924,7 @@
             </a:bodyPr>
             <a:lstStyle/>
             <a:p>
-              <a:pPr indent="0" lvl="0" marL="0" marR="0" rtl="0" algn="r">
+              <a:pPr indent="0" lvl="0" marL="0" marR="0" rtl="0" algn="l">
                 <a:lnSpc>
                   <a:spcPct val="120000"/>
                 </a:lnSpc>
@@ -17512,7 +16954,7 @@
         </p:sp>
         <p:sp>
           <p:nvSpPr>
-            <p:cNvPr id="226" name="Google Shape;226;p7"/>
+            <p:cNvPr id="212" name="Google Shape;212;p7"/>
             <p:cNvSpPr txBox="1"/>
             <p:nvPr/>
           </p:nvSpPr>
@@ -17565,14 +17007,14 @@
       </p:grpSp>
       <p:sp>
         <p:nvSpPr>
-          <p:cNvPr id="227" name="Google Shape;227;p7"/>
+          <p:cNvPr id="213" name="Google Shape;213;p7"/>
           <p:cNvSpPr txBox="1"/>
           <p:nvPr/>
         </p:nvSpPr>
         <p:spPr>
           <a:xfrm>
             <a:off x="333182" y="315"/>
-            <a:ext cx="8477700" cy="2081100"/>
+            <a:ext cx="8477700" cy="400200"/>
           </a:xfrm>
           <a:prstGeom prst="rect">
             <a:avLst/>
@@ -17601,65 +17043,6 @@
               <a:buNone/>
             </a:pPr>
             <a:r>
-              <a:rPr b="1" i="0" lang="en-US" sz="2600" u="none" cap="none" strike="noStrike">
-                <a:solidFill>
-                  <a:srgbClr val="302B70"/>
-                </a:solidFill>
-                <a:latin typeface="Arial"/>
-                <a:ea typeface="Arial"/>
-                <a:cs typeface="Arial"/>
-                <a:sym typeface="Arial"/>
-              </a:rPr>
-              <a:t>Clientes: </a:t>
-            </a:r>
-            <a:endParaRPr/>
-          </a:p>
-          <a:p>
-            <a:pPr indent="-280669" lvl="1" marL="561341" marR="0" rtl="0" algn="l">
-              <a:lnSpc>
-                <a:spcPct val="140000"/>
-              </a:lnSpc>
-              <a:spcBef>
-                <a:spcPts val="0"/>
-              </a:spcBef>
-              <a:spcAft>
-                <a:spcPts val="0"/>
-              </a:spcAft>
-              <a:buClr>
-                <a:srgbClr val="302B70"/>
-              </a:buClr>
-              <a:buSzPts val="2600"/>
-              <a:buFont typeface="Arial"/>
-              <a:buChar char="•"/>
-            </a:pPr>
-            <a:r>
-              <a:rPr b="0" i="0" lang="en-US" sz="2600" u="none" cap="none" strike="noStrike">
-                <a:solidFill>
-                  <a:srgbClr val="302B70"/>
-                </a:solidFill>
-                <a:latin typeface="Arial"/>
-                <a:ea typeface="Arial"/>
-                <a:cs typeface="Arial"/>
-                <a:sym typeface="Arial"/>
-              </a:rPr>
-              <a:t>id_cliente (PK), id_usuario (FK),nombre, apellido, email, teléfono, dirección, comuna , ciudad</a:t>
-            </a:r>
-            <a:endParaRPr/>
-          </a:p>
-          <a:p>
-            <a:pPr indent="0" lvl="0" marL="0" marR="0" rtl="0" algn="l">
-              <a:lnSpc>
-                <a:spcPct val="140000"/>
-              </a:lnSpc>
-              <a:spcBef>
-                <a:spcPts val="0"/>
-              </a:spcBef>
-              <a:spcAft>
-                <a:spcPts val="0"/>
-              </a:spcAft>
-              <a:buNone/>
-            </a:pPr>
-            <a:r>
               <a:t/>
             </a:r>
             <a:endParaRPr b="0" i="0" sz="2600" u="none" cap="none" strike="noStrike">
@@ -17676,315 +17059,14 @@
       </p:sp>
       <p:sp>
         <p:nvSpPr>
-          <p:cNvPr id="228" name="Google Shape;228;p7"/>
-          <p:cNvSpPr txBox="1"/>
-          <p:nvPr/>
-        </p:nvSpPr>
-        <p:spPr>
-          <a:xfrm>
-            <a:off x="317250" y="1503450"/>
-            <a:ext cx="9665700" cy="1520700"/>
-          </a:xfrm>
-          <a:prstGeom prst="rect">
-            <a:avLst/>
-          </a:prstGeom>
-          <a:noFill/>
-          <a:ln>
-            <a:noFill/>
-          </a:ln>
-        </p:spPr>
-        <p:txBody>
-          <a:bodyPr anchorCtr="0" anchor="t" bIns="0" lIns="0" spcFirstLastPara="1" rIns="0" wrap="square" tIns="0">
-            <a:spAutoFit/>
-          </a:bodyPr>
-          <a:lstStyle/>
-          <a:p>
-            <a:pPr indent="0" lvl="0" marL="0" marR="0" rtl="0" algn="l">
-              <a:lnSpc>
-                <a:spcPct val="140000"/>
-              </a:lnSpc>
-              <a:spcBef>
-                <a:spcPts val="0"/>
-              </a:spcBef>
-              <a:spcAft>
-                <a:spcPts val="0"/>
-              </a:spcAft>
-              <a:buNone/>
-            </a:pPr>
-            <a:r>
-              <a:rPr b="1" i="0" lang="en-US" sz="2600" u="none" cap="none" strike="noStrike">
-                <a:solidFill>
-                  <a:srgbClr val="302B70"/>
-                </a:solidFill>
-                <a:latin typeface="Arial"/>
-                <a:ea typeface="Arial"/>
-                <a:cs typeface="Arial"/>
-                <a:sym typeface="Arial"/>
-              </a:rPr>
-              <a:t>Productos:</a:t>
-            </a:r>
-            <a:endParaRPr/>
-          </a:p>
-          <a:p>
-            <a:pPr indent="-280669" lvl="1" marL="561341" marR="0" rtl="0" algn="l">
-              <a:lnSpc>
-                <a:spcPct val="140000"/>
-              </a:lnSpc>
-              <a:spcBef>
-                <a:spcPts val="0"/>
-              </a:spcBef>
-              <a:spcAft>
-                <a:spcPts val="0"/>
-              </a:spcAft>
-              <a:buClr>
-                <a:srgbClr val="302B70"/>
-              </a:buClr>
-              <a:buSzPts val="2600"/>
-              <a:buFont typeface="Arial"/>
-              <a:buChar char="•"/>
-            </a:pPr>
-            <a:r>
-              <a:rPr b="0" i="0" lang="en-US" sz="2600" u="none" cap="none" strike="noStrike">
-                <a:solidFill>
-                  <a:srgbClr val="302B70"/>
-                </a:solidFill>
-                <a:latin typeface="Arial"/>
-                <a:ea typeface="Arial"/>
-                <a:cs typeface="Arial"/>
-                <a:sym typeface="Arial"/>
-              </a:rPr>
-              <a:t>id_producto(PK), nombre, </a:t>
-            </a:r>
-            <a:r>
-              <a:rPr lang="en-US" sz="2600">
-                <a:solidFill>
-                  <a:srgbClr val="302B70"/>
-                </a:solidFill>
-              </a:rPr>
-              <a:t>descripción</a:t>
-            </a:r>
-            <a:r>
-              <a:rPr b="0" i="0" lang="en-US" sz="2600" u="none" cap="none" strike="noStrike">
-                <a:solidFill>
-                  <a:srgbClr val="302B70"/>
-                </a:solidFill>
-                <a:latin typeface="Arial"/>
-                <a:ea typeface="Arial"/>
-                <a:cs typeface="Arial"/>
-                <a:sym typeface="Arial"/>
-              </a:rPr>
-              <a:t>, precio, stock, categoria</a:t>
-            </a:r>
-            <a:endParaRPr/>
-          </a:p>
-        </p:txBody>
-      </p:sp>
-      <p:sp>
-        <p:nvSpPr>
-          <p:cNvPr id="229" name="Google Shape;229;p7"/>
-          <p:cNvSpPr txBox="1"/>
-          <p:nvPr/>
-        </p:nvSpPr>
-        <p:spPr>
-          <a:xfrm>
-            <a:off x="208875" y="3096475"/>
-            <a:ext cx="9665700" cy="2081100"/>
-          </a:xfrm>
-          <a:prstGeom prst="rect">
-            <a:avLst/>
-          </a:prstGeom>
-          <a:noFill/>
-          <a:ln>
-            <a:noFill/>
-          </a:ln>
-        </p:spPr>
-        <p:txBody>
-          <a:bodyPr anchorCtr="0" anchor="t" bIns="0" lIns="0" spcFirstLastPara="1" rIns="0" wrap="square" tIns="0">
-            <a:spAutoFit/>
-          </a:bodyPr>
-          <a:lstStyle/>
-          <a:p>
-            <a:pPr indent="0" lvl="0" marL="0" marR="0" rtl="0" algn="l">
-              <a:lnSpc>
-                <a:spcPct val="140000"/>
-              </a:lnSpc>
-              <a:spcBef>
-                <a:spcPts val="0"/>
-              </a:spcBef>
-              <a:spcAft>
-                <a:spcPts val="0"/>
-              </a:spcAft>
-              <a:buNone/>
-            </a:pPr>
-            <a:r>
-              <a:rPr b="1" i="0" lang="en-US" sz="2600" u="none" cap="none" strike="noStrike">
-                <a:solidFill>
-                  <a:srgbClr val="302B70"/>
-                </a:solidFill>
-                <a:latin typeface="Arial"/>
-                <a:ea typeface="Arial"/>
-                <a:cs typeface="Arial"/>
-                <a:sym typeface="Arial"/>
-              </a:rPr>
-              <a:t>Pedidos:</a:t>
-            </a:r>
-            <a:endParaRPr/>
-          </a:p>
-          <a:p>
-            <a:pPr indent="-280669" lvl="1" marL="561341" marR="0" rtl="0" algn="l">
-              <a:lnSpc>
-                <a:spcPct val="140000"/>
-              </a:lnSpc>
-              <a:spcBef>
-                <a:spcPts val="0"/>
-              </a:spcBef>
-              <a:spcAft>
-                <a:spcPts val="0"/>
-              </a:spcAft>
-              <a:buClr>
-                <a:srgbClr val="302B70"/>
-              </a:buClr>
-              <a:buSzPts val="2600"/>
-              <a:buFont typeface="Arial"/>
-              <a:buChar char="•"/>
-            </a:pPr>
-            <a:r>
-              <a:rPr b="0" i="0" lang="en-US" sz="2600" u="none" cap="none" strike="noStrike">
-                <a:solidFill>
-                  <a:srgbClr val="302B70"/>
-                </a:solidFill>
-                <a:latin typeface="Arial"/>
-                <a:ea typeface="Arial"/>
-                <a:cs typeface="Arial"/>
-                <a:sym typeface="Arial"/>
-              </a:rPr>
-              <a:t>id_pedido(PK), id_cliente(FK),id_producto(FK), fecha_pedido, estado(Pendiente, pagado, enviado, entregado, cancelado), tipo_entrega, direccion_entrega, metodo_pago, total</a:t>
-            </a:r>
-            <a:endParaRPr/>
-          </a:p>
-        </p:txBody>
-      </p:sp>
-      <p:sp>
-        <p:nvSpPr>
-          <p:cNvPr id="230" name="Google Shape;230;p7"/>
-          <p:cNvSpPr txBox="1"/>
-          <p:nvPr/>
-        </p:nvSpPr>
-        <p:spPr>
-          <a:xfrm>
-            <a:off x="128175" y="5303075"/>
-            <a:ext cx="9827100" cy="2081100"/>
-          </a:xfrm>
-          <a:prstGeom prst="rect">
-            <a:avLst/>
-          </a:prstGeom>
-          <a:noFill/>
-          <a:ln>
-            <a:noFill/>
-          </a:ln>
-        </p:spPr>
-        <p:txBody>
-          <a:bodyPr anchorCtr="0" anchor="t" bIns="0" lIns="0" spcFirstLastPara="1" rIns="0" wrap="square" tIns="0">
-            <a:spAutoFit/>
-          </a:bodyPr>
-          <a:lstStyle/>
-          <a:p>
-            <a:pPr indent="0" lvl="0" marL="0" marR="0" rtl="0" algn="l">
-              <a:lnSpc>
-                <a:spcPct val="140000"/>
-              </a:lnSpc>
-              <a:spcBef>
-                <a:spcPts val="0"/>
-              </a:spcBef>
-              <a:spcAft>
-                <a:spcPts val="0"/>
-              </a:spcAft>
-              <a:buNone/>
-            </a:pPr>
-            <a:r>
-              <a:rPr b="1" i="0" lang="en-US" sz="2600" u="none" cap="none" strike="noStrike">
-                <a:solidFill>
-                  <a:srgbClr val="302B70"/>
-                </a:solidFill>
-                <a:latin typeface="Arial"/>
-                <a:ea typeface="Arial"/>
-                <a:cs typeface="Arial"/>
-                <a:sym typeface="Arial"/>
-              </a:rPr>
-              <a:t>Detalle_Pedido:</a:t>
-            </a:r>
-            <a:endParaRPr/>
-          </a:p>
-          <a:p>
-            <a:pPr indent="-280669" lvl="1" marL="561341" marR="0" rtl="0" algn="l">
-              <a:lnSpc>
-                <a:spcPct val="140000"/>
-              </a:lnSpc>
-              <a:spcBef>
-                <a:spcPts val="0"/>
-              </a:spcBef>
-              <a:spcAft>
-                <a:spcPts val="0"/>
-              </a:spcAft>
-              <a:buClr>
-                <a:srgbClr val="302B70"/>
-              </a:buClr>
-              <a:buSzPts val="2600"/>
-              <a:buFont typeface="Arial"/>
-              <a:buChar char="•"/>
-            </a:pPr>
-            <a:r>
-              <a:rPr b="0" i="0" lang="en-US" sz="2600" u="none" cap="none" strike="noStrike">
-                <a:solidFill>
-                  <a:srgbClr val="302B70"/>
-                </a:solidFill>
-                <a:latin typeface="Arial"/>
-                <a:ea typeface="Arial"/>
-                <a:cs typeface="Arial"/>
-                <a:sym typeface="Arial"/>
-              </a:rPr>
-              <a:t>id_detalle (PK), id_pedido (FK), id_producto (FK), cantidad, precio_unitario, subtotal</a:t>
-            </a:r>
-            <a:endParaRPr/>
-          </a:p>
-          <a:p>
-            <a:pPr indent="0" lvl="0" marL="0" marR="0" rtl="0" algn="l">
-              <a:lnSpc>
-                <a:spcPct val="140000"/>
-              </a:lnSpc>
-              <a:spcBef>
-                <a:spcPts val="0"/>
-              </a:spcBef>
-              <a:spcAft>
-                <a:spcPts val="0"/>
-              </a:spcAft>
-              <a:buNone/>
-            </a:pPr>
-            <a:r>
-              <a:t/>
-            </a:r>
-            <a:endParaRPr b="0" i="0" sz="2600" u="none" cap="none" strike="noStrike">
-              <a:solidFill>
-                <a:srgbClr val="302B70"/>
-              </a:solidFill>
-              <a:latin typeface="Arial"/>
-              <a:ea typeface="Arial"/>
-              <a:cs typeface="Arial"/>
-              <a:sym typeface="Arial"/>
-            </a:endParaRPr>
-          </a:p>
-        </p:txBody>
-      </p:sp>
-      <p:sp>
-        <p:nvSpPr>
-          <p:cNvPr id="231" name="Google Shape;231;p7"/>
+          <p:cNvPr id="214" name="Google Shape;214;p7"/>
           <p:cNvSpPr/>
           <p:nvPr/>
         </p:nvSpPr>
         <p:spPr>
           <a:xfrm>
-            <a:off x="15898361" y="226316"/>
-            <a:ext cx="2129950" cy="2129950"/>
+            <a:off x="16158061" y="7877366"/>
+            <a:ext cx="2129536" cy="2129536"/>
           </a:xfrm>
           <a:custGeom>
             <a:rect b="b" l="l" r="r" t="t"/>
@@ -18051,16 +17133,24 @@
           </a:p>
         </p:txBody>
       </p:sp>
-      <p:sp>
-        <p:nvSpPr>
-          <p:cNvPr id="232" name="Google Shape;232;p7"/>
-          <p:cNvSpPr txBox="1"/>
+      <p:pic>
+        <p:nvPicPr>
+          <p:cNvPr id="215" name="Google Shape;215;p7"/>
+          <p:cNvPicPr preferRelativeResize="0"/>
           <p:nvPr/>
-        </p:nvSpPr>
+        </p:nvPicPr>
+        <p:blipFill>
+          <a:blip r:embed="rId6">
+            <a:alphaModFix/>
+          </a:blip>
+          <a:stretch>
+            <a:fillRect/>
+          </a:stretch>
+        </p:blipFill>
         <p:spPr>
           <a:xfrm>
-            <a:off x="155725" y="6915325"/>
-            <a:ext cx="10155900" cy="2081100"/>
+            <a:off x="136925" y="1363850"/>
+            <a:ext cx="15761426" cy="8391844"/>
           </a:xfrm>
           <a:prstGeom prst="rect">
             <a:avLst/>
@@ -18070,287 +17160,7 @@
             <a:noFill/>
           </a:ln>
         </p:spPr>
-        <p:txBody>
-          <a:bodyPr anchorCtr="0" anchor="t" bIns="0" lIns="0" spcFirstLastPara="1" rIns="0" wrap="square" tIns="0">
-            <a:spAutoFit/>
-          </a:bodyPr>
-          <a:lstStyle/>
-          <a:p>
-            <a:pPr indent="0" lvl="0" marL="0" marR="0" rtl="0" algn="l">
-              <a:lnSpc>
-                <a:spcPct val="140000"/>
-              </a:lnSpc>
-              <a:spcBef>
-                <a:spcPts val="0"/>
-              </a:spcBef>
-              <a:spcAft>
-                <a:spcPts val="0"/>
-              </a:spcAft>
-              <a:buNone/>
-            </a:pPr>
-            <a:r>
-              <a:rPr b="1" i="0" lang="en-US" sz="2600" u="none" cap="none" strike="noStrike">
-                <a:solidFill>
-                  <a:srgbClr val="302B70"/>
-                </a:solidFill>
-                <a:latin typeface="Arial"/>
-                <a:ea typeface="Arial"/>
-                <a:cs typeface="Arial"/>
-                <a:sym typeface="Arial"/>
-              </a:rPr>
-              <a:t>Boleta:</a:t>
-            </a:r>
-            <a:endParaRPr/>
-          </a:p>
-          <a:p>
-            <a:pPr indent="-280669" lvl="1" marL="561341" marR="0" rtl="0" algn="l">
-              <a:lnSpc>
-                <a:spcPct val="140000"/>
-              </a:lnSpc>
-              <a:spcBef>
-                <a:spcPts val="0"/>
-              </a:spcBef>
-              <a:spcAft>
-                <a:spcPts val="0"/>
-              </a:spcAft>
-              <a:buClr>
-                <a:srgbClr val="302B70"/>
-              </a:buClr>
-              <a:buSzPts val="2600"/>
-              <a:buFont typeface="Arial"/>
-              <a:buChar char="•"/>
-            </a:pPr>
-            <a:r>
-              <a:rPr b="0" i="0" lang="en-US" sz="2600" u="none" cap="none" strike="noStrike">
-                <a:solidFill>
-                  <a:srgbClr val="302B70"/>
-                </a:solidFill>
-                <a:latin typeface="Arial"/>
-                <a:ea typeface="Arial"/>
-                <a:cs typeface="Arial"/>
-                <a:sym typeface="Arial"/>
-              </a:rPr>
-              <a:t>id_boleta (PK), id_pedido (FK), numero_boleta, fecha_emision, total, metodo_pago, tipo_documento (boleta/factura), estado (emitida, anulada)</a:t>
-            </a:r>
-            <a:endParaRPr/>
-          </a:p>
-        </p:txBody>
-      </p:sp>
-      <p:cxnSp>
-        <p:nvCxnSpPr>
-          <p:cNvPr id="233" name="Google Shape;233;p7"/>
-          <p:cNvCxnSpPr/>
-          <p:nvPr/>
-        </p:nvCxnSpPr>
-        <p:spPr>
-          <a:xfrm>
-            <a:off x="208831" y="5230725"/>
-            <a:ext cx="8371500" cy="19200"/>
-          </a:xfrm>
-          <a:prstGeom prst="straightConnector1">
-            <a:avLst/>
-          </a:prstGeom>
-          <a:noFill/>
-          <a:ln cap="flat" cmpd="sng" w="38100">
-            <a:solidFill>
-              <a:srgbClr val="302B70"/>
-            </a:solidFill>
-            <a:prstDash val="solid"/>
-            <a:round/>
-            <a:headEnd len="sm" w="sm" type="none"/>
-            <a:tailEnd len="sm" w="sm" type="none"/>
-          </a:ln>
-        </p:spPr>
-      </p:cxnSp>
-      <p:cxnSp>
-        <p:nvCxnSpPr>
-          <p:cNvPr id="234" name="Google Shape;234;p7"/>
-          <p:cNvCxnSpPr/>
-          <p:nvPr/>
-        </p:nvCxnSpPr>
-        <p:spPr>
-          <a:xfrm>
-            <a:off x="208787" y="3024140"/>
-            <a:ext cx="8371500" cy="19200"/>
-          </a:xfrm>
-          <a:prstGeom prst="straightConnector1">
-            <a:avLst/>
-          </a:prstGeom>
-          <a:noFill/>
-          <a:ln cap="flat" cmpd="sng" w="38100">
-            <a:solidFill>
-              <a:srgbClr val="302B70"/>
-            </a:solidFill>
-            <a:prstDash val="solid"/>
-            <a:round/>
-            <a:headEnd len="sm" w="sm" type="none"/>
-            <a:tailEnd len="sm" w="sm" type="none"/>
-          </a:ln>
-        </p:spPr>
-      </p:cxnSp>
-      <p:cxnSp>
-        <p:nvCxnSpPr>
-          <p:cNvPr id="235" name="Google Shape;235;p7"/>
-          <p:cNvCxnSpPr/>
-          <p:nvPr/>
-        </p:nvCxnSpPr>
-        <p:spPr>
-          <a:xfrm>
-            <a:off x="208832" y="1503462"/>
-            <a:ext cx="8371500" cy="19200"/>
-          </a:xfrm>
-          <a:prstGeom prst="straightConnector1">
-            <a:avLst/>
-          </a:prstGeom>
-          <a:noFill/>
-          <a:ln cap="flat" cmpd="sng" w="38100">
-            <a:solidFill>
-              <a:srgbClr val="302B70"/>
-            </a:solidFill>
-            <a:prstDash val="solid"/>
-            <a:round/>
-            <a:headEnd len="sm" w="sm" type="none"/>
-            <a:tailEnd len="sm" w="sm" type="none"/>
-          </a:ln>
-        </p:spPr>
-      </p:cxnSp>
-      <p:cxnSp>
-        <p:nvCxnSpPr>
-          <p:cNvPr id="236" name="Google Shape;236;p7"/>
-          <p:cNvCxnSpPr/>
-          <p:nvPr/>
-        </p:nvCxnSpPr>
-        <p:spPr>
-          <a:xfrm>
-            <a:off x="128176" y="6915315"/>
-            <a:ext cx="8371500" cy="19200"/>
-          </a:xfrm>
-          <a:prstGeom prst="straightConnector1">
-            <a:avLst/>
-          </a:prstGeom>
-          <a:noFill/>
-          <a:ln cap="flat" cmpd="sng" w="38100">
-            <a:solidFill>
-              <a:srgbClr val="302B70"/>
-            </a:solidFill>
-            <a:prstDash val="solid"/>
-            <a:round/>
-            <a:headEnd len="sm" w="sm" type="none"/>
-            <a:tailEnd len="sm" w="sm" type="none"/>
-          </a:ln>
-        </p:spPr>
-      </p:cxnSp>
-      <p:cxnSp>
-        <p:nvCxnSpPr>
-          <p:cNvPr id="237" name="Google Shape;237;p7"/>
-          <p:cNvCxnSpPr/>
-          <p:nvPr/>
-        </p:nvCxnSpPr>
-        <p:spPr>
-          <a:xfrm>
-            <a:off x="208819" y="9141150"/>
-            <a:ext cx="8371500" cy="19200"/>
-          </a:xfrm>
-          <a:prstGeom prst="straightConnector1">
-            <a:avLst/>
-          </a:prstGeom>
-          <a:noFill/>
-          <a:ln cap="flat" cmpd="sng" w="38100">
-            <a:solidFill>
-              <a:srgbClr val="302B70"/>
-            </a:solidFill>
-            <a:prstDash val="solid"/>
-            <a:round/>
-            <a:headEnd len="sm" w="sm" type="none"/>
-            <a:tailEnd len="sm" w="sm" type="none"/>
-          </a:ln>
-        </p:spPr>
-      </p:cxnSp>
-      <p:sp>
-        <p:nvSpPr>
-          <p:cNvPr id="238" name="Google Shape;238;p7"/>
-          <p:cNvSpPr txBox="1"/>
-          <p:nvPr/>
-        </p:nvSpPr>
-        <p:spPr>
-          <a:xfrm>
-            <a:off x="128175" y="9233175"/>
-            <a:ext cx="10571100" cy="960600"/>
-          </a:xfrm>
-          <a:prstGeom prst="rect">
-            <a:avLst/>
-          </a:prstGeom>
-          <a:noFill/>
-          <a:ln>
-            <a:noFill/>
-          </a:ln>
-        </p:spPr>
-        <p:txBody>
-          <a:bodyPr anchorCtr="0" anchor="t" bIns="0" lIns="0" spcFirstLastPara="1" rIns="0" wrap="square" tIns="0">
-            <a:spAutoFit/>
-          </a:bodyPr>
-          <a:lstStyle/>
-          <a:p>
-            <a:pPr indent="0" lvl="0" marL="0" marR="0" rtl="0" algn="l">
-              <a:lnSpc>
-                <a:spcPct val="140000"/>
-              </a:lnSpc>
-              <a:spcBef>
-                <a:spcPts val="0"/>
-              </a:spcBef>
-              <a:spcAft>
-                <a:spcPts val="0"/>
-              </a:spcAft>
-              <a:buNone/>
-            </a:pPr>
-            <a:r>
-              <a:rPr b="1" i="0" lang="en-US" sz="2600" u="none" cap="none" strike="noStrike">
-                <a:solidFill>
-                  <a:srgbClr val="302B70"/>
-                </a:solidFill>
-                <a:latin typeface="Arial"/>
-                <a:ea typeface="Arial"/>
-                <a:cs typeface="Arial"/>
-                <a:sym typeface="Arial"/>
-              </a:rPr>
-              <a:t>Usuarios: </a:t>
-            </a:r>
-            <a:endParaRPr/>
-          </a:p>
-          <a:p>
-            <a:pPr indent="-280669" lvl="1" marL="561341" marR="0" rtl="0" algn="l">
-              <a:lnSpc>
-                <a:spcPct val="140000"/>
-              </a:lnSpc>
-              <a:spcBef>
-                <a:spcPts val="0"/>
-              </a:spcBef>
-              <a:spcAft>
-                <a:spcPts val="0"/>
-              </a:spcAft>
-              <a:buClr>
-                <a:srgbClr val="302B70"/>
-              </a:buClr>
-              <a:buSzPts val="2600"/>
-              <a:buFont typeface="Arial"/>
-              <a:buChar char="•"/>
-            </a:pPr>
-            <a:r>
-              <a:rPr b="0" i="0" lang="en-US" sz="2600" u="none" cap="none" strike="noStrike">
-                <a:solidFill>
-                  <a:srgbClr val="302B70"/>
-                </a:solidFill>
-                <a:latin typeface="Arial"/>
-                <a:ea typeface="Arial"/>
-                <a:cs typeface="Arial"/>
-                <a:sym typeface="Arial"/>
-              </a:rPr>
-              <a:t>id_usuario (PK), email, contraseña ,rol(cliente(por defecto) , admin) </a:t>
-            </a:r>
-            <a:endParaRPr/>
-          </a:p>
-        </p:txBody>
-      </p:sp>
+      </p:pic>
     </p:spTree>
   </p:cSld>
   <p:clrMapOvr>
